--- a/documentation/SE project Slides.pptx
+++ b/documentation/SE project Slides.pptx
@@ -23,6 +23,7 @@
     <p:sldId id="268" r:id="rId17"/>
     <p:sldId id="269" r:id="rId18"/>
     <p:sldId id="270" r:id="rId19"/>
+    <p:sldId id="271" r:id="rId20"/>
   </p:sldIdLst>
   <p:sldSz cy="6858000" cx="12192000"/>
   <p:notesSz cx="6858000" cy="9144000"/>
@@ -257,7 +258,7 @@
   </p:defaultTextStyle>
   <p:extLst>
     <p:ext uri="http://customooxmlschemas.google.com/">
-      <go:slidesCustomData xmlns:go="http://customooxmlschemas.google.com/" r:id="rId20" roundtripDataSignature="AMtx7mhl6zOhLyP1Seouml6sjBJ3XtPvEg=="/>
+      <go:slidesCustomData xmlns:go="http://customooxmlschemas.google.com/" r:id="rId21" roundtripDataSignature="AMtx7mjpIBWIUzwNKOe98++EfDaB5J88Nw=="/>
     </p:ext>
   </p:extLst>
 </p:presentation>
@@ -708,106 +709,7 @@
       </p:grpSpPr>
       <p:sp>
         <p:nvSpPr>
-          <p:cNvPr id="81" name="Google Shape;81;p1:notes"/>
-          <p:cNvSpPr txBox="1"/>
-          <p:nvPr>
-            <p:ph idx="1" type="body"/>
-          </p:nvPr>
-        </p:nvSpPr>
-        <p:spPr>
-          <a:xfrm>
-            <a:off x="685800" y="4343400"/>
-            <a:ext cx="5486400" cy="4114800"/>
-          </a:xfrm>
-          <a:prstGeom prst="rect">
-            <a:avLst/>
-          </a:prstGeom>
-        </p:spPr>
-        <p:txBody>
-          <a:bodyPr anchorCtr="0" anchor="t" bIns="91425" lIns="91425" spcFirstLastPara="1" rIns="91425" wrap="square" tIns="91425">
-            <a:noAutofit/>
-          </a:bodyPr>
-          <a:lstStyle/>
-          <a:p>
-            <a:pPr indent="0" lvl="0" marL="0" rtl="0" algn="l">
-              <a:spcBef>
-                <a:spcPts val="0"/>
-              </a:spcBef>
-              <a:spcAft>
-                <a:spcPts val="0"/>
-              </a:spcAft>
-              <a:buNone/>
-            </a:pPr>
-            <a:r>
-              <a:t/>
-            </a:r>
-            <a:endParaRPr/>
-          </a:p>
-        </p:txBody>
-      </p:sp>
-      <p:sp>
-        <p:nvSpPr>
-          <p:cNvPr id="82" name="Google Shape;82;p1:notes"/>
-          <p:cNvSpPr/>
-          <p:nvPr>
-            <p:ph idx="2" type="sldImg"/>
-          </p:nvPr>
-        </p:nvSpPr>
-        <p:spPr>
-          <a:xfrm>
-            <a:off x="1143225" y="685800"/>
-            <a:ext cx="4572225" cy="3429000"/>
-          </a:xfrm>
-          <a:custGeom>
-            <a:rect b="b" l="l" r="r" t="t"/>
-            <a:pathLst>
-              <a:path extrusionOk="0" h="120000" w="120000">
-                <a:moveTo>
-                  <a:pt x="0" y="0"/>
-                </a:moveTo>
-                <a:lnTo>
-                  <a:pt x="120000" y="0"/>
-                </a:lnTo>
-                <a:lnTo>
-                  <a:pt x="120000" y="120000"/>
-                </a:lnTo>
-                <a:lnTo>
-                  <a:pt x="0" y="120000"/>
-                </a:lnTo>
-                <a:close/>
-              </a:path>
-            </a:pathLst>
-          </a:custGeom>
-        </p:spPr>
-      </p:sp>
-    </p:spTree>
-  </p:cSld>
-  <p:clrMapOvr>
-    <a:masterClrMapping/>
-  </p:clrMapOvr>
-</p:notes>
-</file>
-
-<file path=ppt/notesSlides/notesSlide10.xml><?xml version="1.0" encoding="utf-8"?>
-<p:notes xmlns:a="http://schemas.openxmlformats.org/drawingml/2006/main" xmlns:r="http://schemas.openxmlformats.org/officeDocument/2006/relationships" xmlns:mc="http://schemas.openxmlformats.org/markup-compatibility/2006" xmlns:mv="urn:schemas-microsoft-com:mac:vml" xmlns:p="http://schemas.openxmlformats.org/presentationml/2006/main" xmlns:c="http://schemas.openxmlformats.org/drawingml/2006/chart" xmlns:dgm="http://schemas.openxmlformats.org/drawingml/2006/diagram" xmlns:o="urn:schemas-microsoft-com:office:office" xmlns:v="urn:schemas-microsoft-com:vml" xmlns:pvml="urn:schemas-microsoft-com:office:powerpoint" xmlns:com="http://schemas.openxmlformats.org/drawingml/2006/compatibility" xmlns:p14="http://schemas.microsoft.com/office/powerpoint/2010/main" xmlns:p15="http://schemas.microsoft.com/office/powerpoint/2012/main" xmlns:ahyp="http://schemas.microsoft.com/office/drawing/2018/hyperlinkcolor" showMasterPhAnim="0" showMasterSp="0">
-  <p:cSld>
-    <p:spTree>
-      <p:nvGrpSpPr>
-        <p:cNvPr id="164" name="Shape 164"/>
-        <p:cNvGrpSpPr/>
-        <p:nvPr/>
-      </p:nvGrpSpPr>
-      <p:grpSpPr>
-        <a:xfrm>
-          <a:off x="0" y="0"/>
-          <a:ext cx="0" cy="0"/>
-          <a:chOff x="0" y="0"/>
-          <a:chExt cx="0" cy="0"/>
-        </a:xfrm>
-      </p:grpSpPr>
-      <p:sp>
-        <p:nvSpPr>
-          <p:cNvPr id="165" name="Google Shape;165;gb421570802_4_4:notes"/>
+          <p:cNvPr id="81" name="Google Shape;81;gb421570802_6_5:notes"/>
           <p:cNvSpPr/>
           <p:nvPr>
             <p:ph idx="2" type="sldImg"/>
@@ -842,7 +744,7 @@
       </p:sp>
       <p:sp>
         <p:nvSpPr>
-          <p:cNvPr id="166" name="Google Shape;166;gb421570802_4_4:notes"/>
+          <p:cNvPr id="82" name="Google Shape;82;gb421570802_6_5:notes"/>
           <p:cNvSpPr txBox="1"/>
           <p:nvPr>
             <p:ph idx="1" type="body"/>
@@ -887,12 +789,12 @@
 </p:notes>
 </file>
 
-<file path=ppt/notesSlides/notesSlide11.xml><?xml version="1.0" encoding="utf-8"?>
+<file path=ppt/notesSlides/notesSlide10.xml><?xml version="1.0" encoding="utf-8"?>
 <p:notes xmlns:a="http://schemas.openxmlformats.org/drawingml/2006/main" xmlns:r="http://schemas.openxmlformats.org/officeDocument/2006/relationships" xmlns:mc="http://schemas.openxmlformats.org/markup-compatibility/2006" xmlns:mv="urn:schemas-microsoft-com:mac:vml" xmlns:p="http://schemas.openxmlformats.org/presentationml/2006/main" xmlns:c="http://schemas.openxmlformats.org/drawingml/2006/chart" xmlns:dgm="http://schemas.openxmlformats.org/drawingml/2006/diagram" xmlns:o="urn:schemas-microsoft-com:office:office" xmlns:v="urn:schemas-microsoft-com:vml" xmlns:pvml="urn:schemas-microsoft-com:office:powerpoint" xmlns:com="http://schemas.openxmlformats.org/drawingml/2006/compatibility" xmlns:p14="http://schemas.microsoft.com/office/powerpoint/2010/main" xmlns:p15="http://schemas.microsoft.com/office/powerpoint/2012/main" xmlns:ahyp="http://schemas.microsoft.com/office/drawing/2018/hyperlinkcolor" showMasterPhAnim="0" showMasterSp="0">
   <p:cSld>
     <p:spTree>
       <p:nvGrpSpPr>
-        <p:cNvPr id="171" name="Shape 171"/>
+        <p:cNvPr id="164" name="Shape 164"/>
         <p:cNvGrpSpPr/>
         <p:nvPr/>
       </p:nvGrpSpPr>
@@ -906,7 +808,7 @@
       </p:grpSpPr>
       <p:sp>
         <p:nvSpPr>
-          <p:cNvPr id="172" name="Google Shape;172;gb421570802_4_10:notes"/>
+          <p:cNvPr id="165" name="Google Shape;165;gb421570802_3_17:notes"/>
           <p:cNvSpPr/>
           <p:nvPr>
             <p:ph idx="2" type="sldImg"/>
@@ -941,7 +843,7 @@
       </p:sp>
       <p:sp>
         <p:nvSpPr>
-          <p:cNvPr id="173" name="Google Shape;173;gb421570802_4_10:notes"/>
+          <p:cNvPr id="166" name="Google Shape;166;gb421570802_3_17:notes"/>
           <p:cNvSpPr txBox="1"/>
           <p:nvPr>
             <p:ph idx="1" type="body"/>
@@ -986,12 +888,12 @@
 </p:notes>
 </file>
 
-<file path=ppt/notesSlides/notesSlide12.xml><?xml version="1.0" encoding="utf-8"?>
+<file path=ppt/notesSlides/notesSlide11.xml><?xml version="1.0" encoding="utf-8"?>
 <p:notes xmlns:a="http://schemas.openxmlformats.org/drawingml/2006/main" xmlns:r="http://schemas.openxmlformats.org/officeDocument/2006/relationships" xmlns:mc="http://schemas.openxmlformats.org/markup-compatibility/2006" xmlns:mv="urn:schemas-microsoft-com:mac:vml" xmlns:p="http://schemas.openxmlformats.org/presentationml/2006/main" xmlns:c="http://schemas.openxmlformats.org/drawingml/2006/chart" xmlns:dgm="http://schemas.openxmlformats.org/drawingml/2006/diagram" xmlns:o="urn:schemas-microsoft-com:office:office" xmlns:v="urn:schemas-microsoft-com:vml" xmlns:pvml="urn:schemas-microsoft-com:office:powerpoint" xmlns:com="http://schemas.openxmlformats.org/drawingml/2006/compatibility" xmlns:p14="http://schemas.microsoft.com/office/powerpoint/2010/main" xmlns:p15="http://schemas.microsoft.com/office/powerpoint/2012/main" xmlns:ahyp="http://schemas.microsoft.com/office/drawing/2018/hyperlinkcolor" showMasterPhAnim="0" showMasterSp="0">
   <p:cSld>
     <p:spTree>
       <p:nvGrpSpPr>
-        <p:cNvPr id="180" name="Shape 180"/>
+        <p:cNvPr id="170" name="Shape 170"/>
         <p:cNvGrpSpPr/>
         <p:nvPr/>
       </p:nvGrpSpPr>
@@ -1005,7 +907,7 @@
       </p:grpSpPr>
       <p:sp>
         <p:nvSpPr>
-          <p:cNvPr id="181" name="Google Shape;181;gb421570802_0_5:notes"/>
+          <p:cNvPr id="171" name="Google Shape;171;gb421570802_4_4:notes"/>
           <p:cNvSpPr/>
           <p:nvPr>
             <p:ph idx="2" type="sldImg"/>
@@ -1040,7 +942,106 @@
       </p:sp>
       <p:sp>
         <p:nvSpPr>
-          <p:cNvPr id="182" name="Google Shape;182;gb421570802_0_5:notes"/>
+          <p:cNvPr id="172" name="Google Shape;172;gb421570802_4_4:notes"/>
+          <p:cNvSpPr txBox="1"/>
+          <p:nvPr>
+            <p:ph idx="1" type="body"/>
+          </p:nvPr>
+        </p:nvSpPr>
+        <p:spPr>
+          <a:xfrm>
+            <a:off x="685800" y="4343400"/>
+            <a:ext cx="5486400" cy="4114800"/>
+          </a:xfrm>
+          <a:prstGeom prst="rect">
+            <a:avLst/>
+          </a:prstGeom>
+        </p:spPr>
+        <p:txBody>
+          <a:bodyPr anchorCtr="0" anchor="t" bIns="91425" lIns="91425" spcFirstLastPara="1" rIns="91425" wrap="square" tIns="91425">
+            <a:noAutofit/>
+          </a:bodyPr>
+          <a:lstStyle/>
+          <a:p>
+            <a:pPr indent="0" lvl="0" marL="0" rtl="0" algn="l">
+              <a:spcBef>
+                <a:spcPts val="0"/>
+              </a:spcBef>
+              <a:spcAft>
+                <a:spcPts val="0"/>
+              </a:spcAft>
+              <a:buNone/>
+            </a:pPr>
+            <a:r>
+              <a:t/>
+            </a:r>
+            <a:endParaRPr/>
+          </a:p>
+        </p:txBody>
+      </p:sp>
+    </p:spTree>
+  </p:cSld>
+  <p:clrMapOvr>
+    <a:masterClrMapping/>
+  </p:clrMapOvr>
+</p:notes>
+</file>
+
+<file path=ppt/notesSlides/notesSlide12.xml><?xml version="1.0" encoding="utf-8"?>
+<p:notes xmlns:a="http://schemas.openxmlformats.org/drawingml/2006/main" xmlns:r="http://schemas.openxmlformats.org/officeDocument/2006/relationships" xmlns:mc="http://schemas.openxmlformats.org/markup-compatibility/2006" xmlns:mv="urn:schemas-microsoft-com:mac:vml" xmlns:p="http://schemas.openxmlformats.org/presentationml/2006/main" xmlns:c="http://schemas.openxmlformats.org/drawingml/2006/chart" xmlns:dgm="http://schemas.openxmlformats.org/drawingml/2006/diagram" xmlns:o="urn:schemas-microsoft-com:office:office" xmlns:v="urn:schemas-microsoft-com:vml" xmlns:pvml="urn:schemas-microsoft-com:office:powerpoint" xmlns:com="http://schemas.openxmlformats.org/drawingml/2006/compatibility" xmlns:p14="http://schemas.microsoft.com/office/powerpoint/2010/main" xmlns:p15="http://schemas.microsoft.com/office/powerpoint/2012/main" xmlns:ahyp="http://schemas.microsoft.com/office/drawing/2018/hyperlinkcolor" showMasterPhAnim="0" showMasterSp="0">
+  <p:cSld>
+    <p:spTree>
+      <p:nvGrpSpPr>
+        <p:cNvPr id="177" name="Shape 177"/>
+        <p:cNvGrpSpPr/>
+        <p:nvPr/>
+      </p:nvGrpSpPr>
+      <p:grpSpPr>
+        <a:xfrm>
+          <a:off x="0" y="0"/>
+          <a:ext cx="0" cy="0"/>
+          <a:chOff x="0" y="0"/>
+          <a:chExt cx="0" cy="0"/>
+        </a:xfrm>
+      </p:grpSpPr>
+      <p:sp>
+        <p:nvSpPr>
+          <p:cNvPr id="178" name="Google Shape;178;gb421570802_4_10:notes"/>
+          <p:cNvSpPr/>
+          <p:nvPr>
+            <p:ph idx="2" type="sldImg"/>
+          </p:nvPr>
+        </p:nvSpPr>
+        <p:spPr>
+          <a:xfrm>
+            <a:off x="1143225" y="685800"/>
+            <a:ext cx="4572300" cy="3429000"/>
+          </a:xfrm>
+          <a:custGeom>
+            <a:rect b="b" l="l" r="r" t="t"/>
+            <a:pathLst>
+              <a:path extrusionOk="0" h="120000" w="120000">
+                <a:moveTo>
+                  <a:pt x="0" y="0"/>
+                </a:moveTo>
+                <a:lnTo>
+                  <a:pt x="120000" y="0"/>
+                </a:lnTo>
+                <a:lnTo>
+                  <a:pt x="120000" y="120000"/>
+                </a:lnTo>
+                <a:lnTo>
+                  <a:pt x="0" y="120000"/>
+                </a:lnTo>
+                <a:close/>
+              </a:path>
+            </a:pathLst>
+          </a:custGeom>
+        </p:spPr>
+      </p:sp>
+      <p:sp>
+        <p:nvSpPr>
+          <p:cNvPr id="179" name="Google Shape;179;gb421570802_4_10:notes"/>
           <p:cNvSpPr txBox="1"/>
           <p:nvPr>
             <p:ph idx="1" type="body"/>
@@ -1104,7 +1105,7 @@
       </p:grpSpPr>
       <p:sp>
         <p:nvSpPr>
-          <p:cNvPr id="187" name="Google Shape;187;gb421570802_6_0:notes"/>
+          <p:cNvPr id="187" name="Google Shape;187;gb421570802_0_5:notes"/>
           <p:cNvSpPr/>
           <p:nvPr>
             <p:ph idx="2" type="sldImg"/>
@@ -1139,7 +1140,7 @@
       </p:sp>
       <p:sp>
         <p:nvSpPr>
-          <p:cNvPr id="188" name="Google Shape;188;gb421570802_6_0:notes"/>
+          <p:cNvPr id="188" name="Google Shape;188;gb421570802_0_5:notes"/>
           <p:cNvSpPr txBox="1"/>
           <p:nvPr>
             <p:ph idx="1" type="body"/>
@@ -1189,7 +1190,7 @@
   <p:cSld>
     <p:spTree>
       <p:nvGrpSpPr>
-        <p:cNvPr id="191" name="Shape 191"/>
+        <p:cNvPr id="192" name="Shape 192"/>
         <p:cNvGrpSpPr/>
         <p:nvPr/>
       </p:nvGrpSpPr>
@@ -1203,7 +1204,7 @@
       </p:grpSpPr>
       <p:sp>
         <p:nvSpPr>
-          <p:cNvPr id="192" name="Google Shape;192;gb421570802_5_0:notes"/>
+          <p:cNvPr id="193" name="Google Shape;193;gb421570802_6_0:notes"/>
           <p:cNvSpPr/>
           <p:nvPr>
             <p:ph idx="2" type="sldImg"/>
@@ -1238,7 +1239,7 @@
       </p:sp>
       <p:sp>
         <p:nvSpPr>
-          <p:cNvPr id="193" name="Google Shape;193;gb421570802_5_0:notes"/>
+          <p:cNvPr id="194" name="Google Shape;194;gb421570802_6_0:notes"/>
           <p:cNvSpPr txBox="1"/>
           <p:nvPr>
             <p:ph idx="1" type="body"/>
@@ -1302,7 +1303,7 @@
       </p:grpSpPr>
       <p:sp>
         <p:nvSpPr>
-          <p:cNvPr id="198" name="Google Shape;198;gb421570802_4_27:notes"/>
+          <p:cNvPr id="198" name="Google Shape;198;gb421570802_5_0:notes"/>
           <p:cNvSpPr/>
           <p:nvPr>
             <p:ph idx="2" type="sldImg"/>
@@ -1337,7 +1338,7 @@
       </p:sp>
       <p:sp>
         <p:nvSpPr>
-          <p:cNvPr id="199" name="Google Shape;199;gb421570802_4_27:notes"/>
+          <p:cNvPr id="199" name="Google Shape;199;gb421570802_5_0:notes"/>
           <p:cNvSpPr txBox="1"/>
           <p:nvPr>
             <p:ph idx="1" type="body"/>
@@ -1382,12 +1383,12 @@
 </p:notes>
 </file>
 
-<file path=ppt/notesSlides/notesSlide2.xml><?xml version="1.0" encoding="utf-8"?>
+<file path=ppt/notesSlides/notesSlide16.xml><?xml version="1.0" encoding="utf-8"?>
 <p:notes xmlns:a="http://schemas.openxmlformats.org/drawingml/2006/main" xmlns:r="http://schemas.openxmlformats.org/officeDocument/2006/relationships" xmlns:mc="http://schemas.openxmlformats.org/markup-compatibility/2006" xmlns:mv="urn:schemas-microsoft-com:mac:vml" xmlns:p="http://schemas.openxmlformats.org/presentationml/2006/main" xmlns:c="http://schemas.openxmlformats.org/drawingml/2006/chart" xmlns:dgm="http://schemas.openxmlformats.org/drawingml/2006/diagram" xmlns:o="urn:schemas-microsoft-com:office:office" xmlns:v="urn:schemas-microsoft-com:vml" xmlns:pvml="urn:schemas-microsoft-com:office:powerpoint" xmlns:com="http://schemas.openxmlformats.org/drawingml/2006/compatibility" xmlns:p14="http://schemas.microsoft.com/office/powerpoint/2010/main" xmlns:p15="http://schemas.microsoft.com/office/powerpoint/2012/main" xmlns:ahyp="http://schemas.microsoft.com/office/drawing/2018/hyperlinkcolor" showMasterPhAnim="0" showMasterSp="0">
   <p:cSld>
     <p:spTree>
       <p:nvGrpSpPr>
-        <p:cNvPr id="97" name="Shape 97"/>
+        <p:cNvPr id="203" name="Shape 203"/>
         <p:cNvGrpSpPr/>
         <p:nvPr/>
       </p:nvGrpSpPr>
@@ -1401,7 +1402,42 @@
       </p:grpSpPr>
       <p:sp>
         <p:nvSpPr>
-          <p:cNvPr id="98" name="Google Shape;98;p2:notes"/>
+          <p:cNvPr id="204" name="Google Shape;204;gb421570802_4_27:notes"/>
+          <p:cNvSpPr/>
+          <p:nvPr>
+            <p:ph idx="2" type="sldImg"/>
+          </p:nvPr>
+        </p:nvSpPr>
+        <p:spPr>
+          <a:xfrm>
+            <a:off x="1143225" y="685800"/>
+            <a:ext cx="4572300" cy="3429000"/>
+          </a:xfrm>
+          <a:custGeom>
+            <a:rect b="b" l="l" r="r" t="t"/>
+            <a:pathLst>
+              <a:path extrusionOk="0" h="120000" w="120000">
+                <a:moveTo>
+                  <a:pt x="0" y="0"/>
+                </a:moveTo>
+                <a:lnTo>
+                  <a:pt x="120000" y="0"/>
+                </a:lnTo>
+                <a:lnTo>
+                  <a:pt x="120000" y="120000"/>
+                </a:lnTo>
+                <a:lnTo>
+                  <a:pt x="0" y="120000"/>
+                </a:lnTo>
+                <a:close/>
+              </a:path>
+            </a:pathLst>
+          </a:custGeom>
+        </p:spPr>
+      </p:sp>
+      <p:sp>
+        <p:nvSpPr>
+          <p:cNvPr id="205" name="Google Shape;205;gb421570802_4_27:notes"/>
           <p:cNvSpPr txBox="1"/>
           <p:nvPr>
             <p:ph idx="1" type="body"/>
@@ -1438,9 +1474,73 @@
           </a:p>
         </p:txBody>
       </p:sp>
+    </p:spTree>
+  </p:cSld>
+  <p:clrMapOvr>
+    <a:masterClrMapping/>
+  </p:clrMapOvr>
+</p:notes>
+</file>
+
+<file path=ppt/notesSlides/notesSlide2.xml><?xml version="1.0" encoding="utf-8"?>
+<p:notes xmlns:a="http://schemas.openxmlformats.org/drawingml/2006/main" xmlns:r="http://schemas.openxmlformats.org/officeDocument/2006/relationships" xmlns:mc="http://schemas.openxmlformats.org/markup-compatibility/2006" xmlns:mv="urn:schemas-microsoft-com:mac:vml" xmlns:p="http://schemas.openxmlformats.org/presentationml/2006/main" xmlns:c="http://schemas.openxmlformats.org/drawingml/2006/chart" xmlns:dgm="http://schemas.openxmlformats.org/drawingml/2006/diagram" xmlns:o="urn:schemas-microsoft-com:office:office" xmlns:v="urn:schemas-microsoft-com:vml" xmlns:pvml="urn:schemas-microsoft-com:office:powerpoint" xmlns:com="http://schemas.openxmlformats.org/drawingml/2006/compatibility" xmlns:p14="http://schemas.microsoft.com/office/powerpoint/2010/main" xmlns:p15="http://schemas.microsoft.com/office/powerpoint/2012/main" xmlns:ahyp="http://schemas.microsoft.com/office/drawing/2018/hyperlinkcolor" showMasterPhAnim="0" showMasterSp="0">
+  <p:cSld>
+    <p:spTree>
+      <p:nvGrpSpPr>
+        <p:cNvPr id="86" name="Shape 86"/>
+        <p:cNvGrpSpPr/>
+        <p:nvPr/>
+      </p:nvGrpSpPr>
+      <p:grpSpPr>
+        <a:xfrm>
+          <a:off x="0" y="0"/>
+          <a:ext cx="0" cy="0"/>
+          <a:chOff x="0" y="0"/>
+          <a:chExt cx="0" cy="0"/>
+        </a:xfrm>
+      </p:grpSpPr>
       <p:sp>
         <p:nvSpPr>
-          <p:cNvPr id="99" name="Google Shape;99;p2:notes"/>
+          <p:cNvPr id="87" name="Google Shape;87;p1:notes"/>
+          <p:cNvSpPr txBox="1"/>
+          <p:nvPr>
+            <p:ph idx="1" type="body"/>
+          </p:nvPr>
+        </p:nvSpPr>
+        <p:spPr>
+          <a:xfrm>
+            <a:off x="685800" y="4343400"/>
+            <a:ext cx="5486400" cy="4114800"/>
+          </a:xfrm>
+          <a:prstGeom prst="rect">
+            <a:avLst/>
+          </a:prstGeom>
+        </p:spPr>
+        <p:txBody>
+          <a:bodyPr anchorCtr="0" anchor="t" bIns="91425" lIns="91425" spcFirstLastPara="1" rIns="91425" wrap="square" tIns="91425">
+            <a:noAutofit/>
+          </a:bodyPr>
+          <a:lstStyle/>
+          <a:p>
+            <a:pPr indent="0" lvl="0" marL="0" rtl="0" algn="l">
+              <a:spcBef>
+                <a:spcPts val="0"/>
+              </a:spcBef>
+              <a:spcAft>
+                <a:spcPts val="0"/>
+              </a:spcAft>
+              <a:buNone/>
+            </a:pPr>
+            <a:r>
+              <a:t/>
+            </a:r>
+            <a:endParaRPr/>
+          </a:p>
+        </p:txBody>
+      </p:sp>
+      <p:sp>
+        <p:nvSpPr>
+          <p:cNvPr id="88" name="Google Shape;88;p1:notes"/>
           <p:cNvSpPr/>
           <p:nvPr>
             <p:ph idx="2" type="sldImg"/>
@@ -1486,7 +1586,7 @@
   <p:cSld>
     <p:spTree>
       <p:nvGrpSpPr>
-        <p:cNvPr id="110" name="Shape 110"/>
+        <p:cNvPr id="103" name="Shape 103"/>
         <p:cNvGrpSpPr/>
         <p:nvPr/>
       </p:nvGrpSpPr>
@@ -1500,7 +1600,7 @@
       </p:grpSpPr>
       <p:sp>
         <p:nvSpPr>
-          <p:cNvPr id="111" name="Google Shape;111;p3:notes"/>
+          <p:cNvPr id="104" name="Google Shape;104;p2:notes"/>
           <p:cNvSpPr txBox="1"/>
           <p:nvPr>
             <p:ph idx="1" type="body"/>
@@ -1539,7 +1639,7 @@
       </p:sp>
       <p:sp>
         <p:nvSpPr>
-          <p:cNvPr id="112" name="Google Shape;112;p3:notes"/>
+          <p:cNvPr id="105" name="Google Shape;105;p2:notes"/>
           <p:cNvSpPr/>
           <p:nvPr>
             <p:ph idx="2" type="sldImg"/>
@@ -1585,7 +1685,7 @@
   <p:cSld>
     <p:spTree>
       <p:nvGrpSpPr>
-        <p:cNvPr id="118" name="Shape 118"/>
+        <p:cNvPr id="116" name="Shape 116"/>
         <p:cNvGrpSpPr/>
         <p:nvPr/>
       </p:nvGrpSpPr>
@@ -1599,7 +1699,7 @@
       </p:grpSpPr>
       <p:sp>
         <p:nvSpPr>
-          <p:cNvPr id="119" name="Google Shape;119;p4:notes"/>
+          <p:cNvPr id="117" name="Google Shape;117;p3:notes"/>
           <p:cNvSpPr txBox="1"/>
           <p:nvPr>
             <p:ph idx="1" type="body"/>
@@ -1638,7 +1738,7 @@
       </p:sp>
       <p:sp>
         <p:nvSpPr>
-          <p:cNvPr id="120" name="Google Shape;120;p4:notes"/>
+          <p:cNvPr id="118" name="Google Shape;118;p3:notes"/>
           <p:cNvSpPr/>
           <p:nvPr>
             <p:ph idx="2" type="sldImg"/>
@@ -1684,7 +1784,7 @@
   <p:cSld>
     <p:spTree>
       <p:nvGrpSpPr>
-        <p:cNvPr id="130" name="Shape 130"/>
+        <p:cNvPr id="124" name="Shape 124"/>
         <p:cNvGrpSpPr/>
         <p:nvPr/>
       </p:nvGrpSpPr>
@@ -1698,7 +1798,7 @@
       </p:grpSpPr>
       <p:sp>
         <p:nvSpPr>
-          <p:cNvPr id="131" name="Google Shape;131;p5:notes"/>
+          <p:cNvPr id="125" name="Google Shape;125;p4:notes"/>
           <p:cNvSpPr txBox="1"/>
           <p:nvPr>
             <p:ph idx="1" type="body"/>
@@ -1737,7 +1837,7 @@
       </p:sp>
       <p:sp>
         <p:nvSpPr>
-          <p:cNvPr id="132" name="Google Shape;132;p5:notes"/>
+          <p:cNvPr id="126" name="Google Shape;126;p4:notes"/>
           <p:cNvSpPr/>
           <p:nvPr>
             <p:ph idx="2" type="sldImg"/>
@@ -1783,7 +1883,7 @@
   <p:cSld>
     <p:spTree>
       <p:nvGrpSpPr>
-        <p:cNvPr id="137" name="Shape 137"/>
+        <p:cNvPr id="136" name="Shape 136"/>
         <p:cNvGrpSpPr/>
         <p:nvPr/>
       </p:nvGrpSpPr>
@@ -1797,7 +1897,106 @@
       </p:grpSpPr>
       <p:sp>
         <p:nvSpPr>
-          <p:cNvPr id="138" name="Google Shape;138;gb421570802_0_0:notes"/>
+          <p:cNvPr id="137" name="Google Shape;137;p5:notes"/>
+          <p:cNvSpPr txBox="1"/>
+          <p:nvPr>
+            <p:ph idx="1" type="body"/>
+          </p:nvPr>
+        </p:nvSpPr>
+        <p:spPr>
+          <a:xfrm>
+            <a:off x="685800" y="4343400"/>
+            <a:ext cx="5486400" cy="4114800"/>
+          </a:xfrm>
+          <a:prstGeom prst="rect">
+            <a:avLst/>
+          </a:prstGeom>
+        </p:spPr>
+        <p:txBody>
+          <a:bodyPr anchorCtr="0" anchor="t" bIns="91425" lIns="91425" spcFirstLastPara="1" rIns="91425" wrap="square" tIns="91425">
+            <a:noAutofit/>
+          </a:bodyPr>
+          <a:lstStyle/>
+          <a:p>
+            <a:pPr indent="0" lvl="0" marL="0" rtl="0" algn="l">
+              <a:spcBef>
+                <a:spcPts val="0"/>
+              </a:spcBef>
+              <a:spcAft>
+                <a:spcPts val="0"/>
+              </a:spcAft>
+              <a:buNone/>
+            </a:pPr>
+            <a:r>
+              <a:t/>
+            </a:r>
+            <a:endParaRPr/>
+          </a:p>
+        </p:txBody>
+      </p:sp>
+      <p:sp>
+        <p:nvSpPr>
+          <p:cNvPr id="138" name="Google Shape;138;p5:notes"/>
+          <p:cNvSpPr/>
+          <p:nvPr>
+            <p:ph idx="2" type="sldImg"/>
+          </p:nvPr>
+        </p:nvSpPr>
+        <p:spPr>
+          <a:xfrm>
+            <a:off x="1143225" y="685800"/>
+            <a:ext cx="4572225" cy="3429000"/>
+          </a:xfrm>
+          <a:custGeom>
+            <a:rect b="b" l="l" r="r" t="t"/>
+            <a:pathLst>
+              <a:path extrusionOk="0" h="120000" w="120000">
+                <a:moveTo>
+                  <a:pt x="0" y="0"/>
+                </a:moveTo>
+                <a:lnTo>
+                  <a:pt x="120000" y="0"/>
+                </a:lnTo>
+                <a:lnTo>
+                  <a:pt x="120000" y="120000"/>
+                </a:lnTo>
+                <a:lnTo>
+                  <a:pt x="0" y="120000"/>
+                </a:lnTo>
+                <a:close/>
+              </a:path>
+            </a:pathLst>
+          </a:custGeom>
+        </p:spPr>
+      </p:sp>
+    </p:spTree>
+  </p:cSld>
+  <p:clrMapOvr>
+    <a:masterClrMapping/>
+  </p:clrMapOvr>
+</p:notes>
+</file>
+
+<file path=ppt/notesSlides/notesSlide7.xml><?xml version="1.0" encoding="utf-8"?>
+<p:notes xmlns:a="http://schemas.openxmlformats.org/drawingml/2006/main" xmlns:r="http://schemas.openxmlformats.org/officeDocument/2006/relationships" xmlns:mc="http://schemas.openxmlformats.org/markup-compatibility/2006" xmlns:mv="urn:schemas-microsoft-com:mac:vml" xmlns:p="http://schemas.openxmlformats.org/presentationml/2006/main" xmlns:c="http://schemas.openxmlformats.org/drawingml/2006/chart" xmlns:dgm="http://schemas.openxmlformats.org/drawingml/2006/diagram" xmlns:o="urn:schemas-microsoft-com:office:office" xmlns:v="urn:schemas-microsoft-com:vml" xmlns:pvml="urn:schemas-microsoft-com:office:powerpoint" xmlns:com="http://schemas.openxmlformats.org/drawingml/2006/compatibility" xmlns:p14="http://schemas.microsoft.com/office/powerpoint/2010/main" xmlns:p15="http://schemas.microsoft.com/office/powerpoint/2012/main" xmlns:ahyp="http://schemas.microsoft.com/office/drawing/2018/hyperlinkcolor" showMasterPhAnim="0" showMasterSp="0">
+  <p:cSld>
+    <p:spTree>
+      <p:nvGrpSpPr>
+        <p:cNvPr id="143" name="Shape 143"/>
+        <p:cNvGrpSpPr/>
+        <p:nvPr/>
+      </p:nvGrpSpPr>
+      <p:grpSpPr>
+        <a:xfrm>
+          <a:off x="0" y="0"/>
+          <a:ext cx="0" cy="0"/>
+          <a:chOff x="0" y="0"/>
+          <a:chExt cx="0" cy="0"/>
+        </a:xfrm>
+      </p:grpSpPr>
+      <p:sp>
+        <p:nvSpPr>
+          <p:cNvPr id="144" name="Google Shape;144;gb421570802_0_0:notes"/>
           <p:cNvSpPr/>
           <p:nvPr>
             <p:ph idx="2" type="sldImg"/>
@@ -1832,7 +2031,7 @@
       </p:sp>
       <p:sp>
         <p:nvSpPr>
-          <p:cNvPr id="139" name="Google Shape;139;gb421570802_0_0:notes"/>
+          <p:cNvPr id="145" name="Google Shape;145;gb421570802_0_0:notes"/>
           <p:cNvSpPr txBox="1"/>
           <p:nvPr>
             <p:ph idx="1" type="body"/>
@@ -1877,12 +2076,12 @@
 </p:notes>
 </file>
 
-<file path=ppt/notesSlides/notesSlide7.xml><?xml version="1.0" encoding="utf-8"?>
+<file path=ppt/notesSlides/notesSlide8.xml><?xml version="1.0" encoding="utf-8"?>
 <p:notes xmlns:a="http://schemas.openxmlformats.org/drawingml/2006/main" xmlns:r="http://schemas.openxmlformats.org/officeDocument/2006/relationships" xmlns:mc="http://schemas.openxmlformats.org/markup-compatibility/2006" xmlns:mv="urn:schemas-microsoft-com:mac:vml" xmlns:p="http://schemas.openxmlformats.org/presentationml/2006/main" xmlns:c="http://schemas.openxmlformats.org/drawingml/2006/chart" xmlns:dgm="http://schemas.openxmlformats.org/drawingml/2006/diagram" xmlns:o="urn:schemas-microsoft-com:office:office" xmlns:v="urn:schemas-microsoft-com:vml" xmlns:pvml="urn:schemas-microsoft-com:office:powerpoint" xmlns:com="http://schemas.openxmlformats.org/drawingml/2006/compatibility" xmlns:p14="http://schemas.microsoft.com/office/powerpoint/2010/main" xmlns:p15="http://schemas.microsoft.com/office/powerpoint/2012/main" xmlns:ahyp="http://schemas.microsoft.com/office/drawing/2018/hyperlinkcolor" showMasterPhAnim="0" showMasterSp="0">
   <p:cSld>
     <p:spTree>
       <p:nvGrpSpPr>
-        <p:cNvPr id="144" name="Shape 144"/>
+        <p:cNvPr id="150" name="Shape 150"/>
         <p:cNvGrpSpPr/>
         <p:nvPr/>
       </p:nvGrpSpPr>
@@ -1896,7 +2095,7 @@
       </p:grpSpPr>
       <p:sp>
         <p:nvSpPr>
-          <p:cNvPr id="145" name="Google Shape;145;gb421570802_3_3:notes"/>
+          <p:cNvPr id="151" name="Google Shape;151;gb421570802_3_3:notes"/>
           <p:cNvSpPr/>
           <p:nvPr>
             <p:ph idx="2" type="sldImg"/>
@@ -1931,106 +2130,7 @@
       </p:sp>
       <p:sp>
         <p:nvSpPr>
-          <p:cNvPr id="146" name="Google Shape;146;gb421570802_3_3:notes"/>
-          <p:cNvSpPr txBox="1"/>
-          <p:nvPr>
-            <p:ph idx="1" type="body"/>
-          </p:nvPr>
-        </p:nvSpPr>
-        <p:spPr>
-          <a:xfrm>
-            <a:off x="685800" y="4343400"/>
-            <a:ext cx="5486400" cy="4114800"/>
-          </a:xfrm>
-          <a:prstGeom prst="rect">
-            <a:avLst/>
-          </a:prstGeom>
-        </p:spPr>
-        <p:txBody>
-          <a:bodyPr anchorCtr="0" anchor="t" bIns="91425" lIns="91425" spcFirstLastPara="1" rIns="91425" wrap="square" tIns="91425">
-            <a:noAutofit/>
-          </a:bodyPr>
-          <a:lstStyle/>
-          <a:p>
-            <a:pPr indent="0" lvl="0" marL="0" rtl="0" algn="l">
-              <a:spcBef>
-                <a:spcPts val="0"/>
-              </a:spcBef>
-              <a:spcAft>
-                <a:spcPts val="0"/>
-              </a:spcAft>
-              <a:buNone/>
-            </a:pPr>
-            <a:r>
-              <a:t/>
-            </a:r>
-            <a:endParaRPr/>
-          </a:p>
-        </p:txBody>
-      </p:sp>
-    </p:spTree>
-  </p:cSld>
-  <p:clrMapOvr>
-    <a:masterClrMapping/>
-  </p:clrMapOvr>
-</p:notes>
-</file>
-
-<file path=ppt/notesSlides/notesSlide8.xml><?xml version="1.0" encoding="utf-8"?>
-<p:notes xmlns:a="http://schemas.openxmlformats.org/drawingml/2006/main" xmlns:r="http://schemas.openxmlformats.org/officeDocument/2006/relationships" xmlns:mc="http://schemas.openxmlformats.org/markup-compatibility/2006" xmlns:mv="urn:schemas-microsoft-com:mac:vml" xmlns:p="http://schemas.openxmlformats.org/presentationml/2006/main" xmlns:c="http://schemas.openxmlformats.org/drawingml/2006/chart" xmlns:dgm="http://schemas.openxmlformats.org/drawingml/2006/diagram" xmlns:o="urn:schemas-microsoft-com:office:office" xmlns:v="urn:schemas-microsoft-com:vml" xmlns:pvml="urn:schemas-microsoft-com:office:powerpoint" xmlns:com="http://schemas.openxmlformats.org/drawingml/2006/compatibility" xmlns:p14="http://schemas.microsoft.com/office/powerpoint/2010/main" xmlns:p15="http://schemas.microsoft.com/office/powerpoint/2012/main" xmlns:ahyp="http://schemas.microsoft.com/office/drawing/2018/hyperlinkcolor" showMasterPhAnim="0" showMasterSp="0">
-  <p:cSld>
-    <p:spTree>
-      <p:nvGrpSpPr>
-        <p:cNvPr id="152" name="Shape 152"/>
-        <p:cNvGrpSpPr/>
-        <p:nvPr/>
-      </p:nvGrpSpPr>
-      <p:grpSpPr>
-        <a:xfrm>
-          <a:off x="0" y="0"/>
-          <a:ext cx="0" cy="0"/>
-          <a:chOff x="0" y="0"/>
-          <a:chExt cx="0" cy="0"/>
-        </a:xfrm>
-      </p:grpSpPr>
-      <p:sp>
-        <p:nvSpPr>
-          <p:cNvPr id="153" name="Google Shape;153;gb421570802_3_25:notes"/>
-          <p:cNvSpPr/>
-          <p:nvPr>
-            <p:ph idx="2" type="sldImg"/>
-          </p:nvPr>
-        </p:nvSpPr>
-        <p:spPr>
-          <a:xfrm>
-            <a:off x="1143225" y="685800"/>
-            <a:ext cx="4572300" cy="3429000"/>
-          </a:xfrm>
-          <a:custGeom>
-            <a:rect b="b" l="l" r="r" t="t"/>
-            <a:pathLst>
-              <a:path extrusionOk="0" h="120000" w="120000">
-                <a:moveTo>
-                  <a:pt x="0" y="0"/>
-                </a:moveTo>
-                <a:lnTo>
-                  <a:pt x="120000" y="0"/>
-                </a:lnTo>
-                <a:lnTo>
-                  <a:pt x="120000" y="120000"/>
-                </a:lnTo>
-                <a:lnTo>
-                  <a:pt x="0" y="120000"/>
-                </a:lnTo>
-                <a:close/>
-              </a:path>
-            </a:pathLst>
-          </a:custGeom>
-        </p:spPr>
-      </p:sp>
-      <p:sp>
-        <p:nvSpPr>
-          <p:cNvPr id="154" name="Google Shape;154;gb421570802_3_25:notes"/>
+          <p:cNvPr id="152" name="Google Shape;152;gb421570802_3_3:notes"/>
           <p:cNvSpPr txBox="1"/>
           <p:nvPr>
             <p:ph idx="1" type="body"/>
@@ -2094,7 +2194,7 @@
       </p:grpSpPr>
       <p:sp>
         <p:nvSpPr>
-          <p:cNvPr id="159" name="Google Shape;159;gb421570802_3_17:notes"/>
+          <p:cNvPr id="159" name="Google Shape;159;gb421570802_3_25:notes"/>
           <p:cNvSpPr/>
           <p:nvPr>
             <p:ph idx="2" type="sldImg"/>
@@ -2129,7 +2229,7 @@
       </p:sp>
       <p:sp>
         <p:nvSpPr>
-          <p:cNvPr id="160" name="Google Shape;160;gb421570802_3_17:notes"/>
+          <p:cNvPr id="160" name="Google Shape;160;gb421570802_3_25:notes"/>
           <p:cNvSpPr txBox="1"/>
           <p:nvPr>
             <p:ph idx="1" type="body"/>
@@ -12431,59 +12531,30 @@
           <a:chExt cx="0" cy="0"/>
         </a:xfrm>
       </p:grpSpPr>
-      <p:pic>
-        <p:nvPicPr>
-          <p:cNvPr id="84" name="Google Shape;84;p1"/>
-          <p:cNvPicPr preferRelativeResize="0"/>
-          <p:nvPr/>
-        </p:nvPicPr>
-        <p:blipFill rotWithShape="1">
-          <a:blip r:embed="rId3">
-            <a:alphaModFix/>
-          </a:blip>
-          <a:srcRect b="14110" l="0" r="2452" t="16644"/>
-          <a:stretch/>
-        </p:blipFill>
+      <p:sp>
+        <p:nvSpPr>
+          <p:cNvPr id="84" name="Google Shape;84;gb421570802_6_5"/>
+          <p:cNvSpPr txBox="1"/>
+          <p:nvPr>
+            <p:ph type="ctrTitle"/>
+          </p:nvPr>
+        </p:nvSpPr>
         <p:spPr>
           <a:xfrm>
-            <a:off x="3657923" y="1562494"/>
-            <a:ext cx="4876154" cy="2432114"/>
+            <a:off x="1524000" y="650863"/>
+            <a:ext cx="9144000" cy="2387700"/>
           </a:xfrm>
           <a:prstGeom prst="rect">
             <a:avLst/>
           </a:prstGeom>
-          <a:noFill/>
-          <a:ln>
-            <a:noFill/>
-          </a:ln>
-        </p:spPr>
-      </p:pic>
-      <p:sp>
-        <p:nvSpPr>
-          <p:cNvPr id="85" name="Google Shape;85;p1"/>
-          <p:cNvSpPr txBox="1"/>
-          <p:nvPr/>
-        </p:nvSpPr>
-        <p:spPr>
-          <a:xfrm>
-            <a:off x="610982" y="2328747"/>
-            <a:ext cx="2484013" cy="630942"/>
-          </a:xfrm>
-          <a:prstGeom prst="rect">
-            <a:avLst/>
-          </a:prstGeom>
-          <a:noFill/>
-          <a:ln>
-            <a:noFill/>
-          </a:ln>
         </p:spPr>
         <p:txBody>
-          <a:bodyPr anchorCtr="0" anchor="t" bIns="45700" lIns="91425" spcFirstLastPara="1" rIns="91425" wrap="square" tIns="45700">
-            <a:spAutoFit/>
+          <a:bodyPr anchorCtr="0" anchor="b" bIns="45700" lIns="91425" spcFirstLastPara="1" rIns="91425" wrap="square" tIns="45700">
+            <a:noAutofit/>
           </a:bodyPr>
           <a:lstStyle/>
           <a:p>
-            <a:pPr indent="0" lvl="0" marL="0" marR="0" rtl="0" algn="l">
+            <a:pPr indent="0" lvl="0" marL="0" rtl="0" algn="ctr">
               <a:spcBef>
                 <a:spcPts val="0"/>
               </a:spcBef>
@@ -12493,132 +12564,8 @@
               <a:buNone/>
             </a:pPr>
             <a:r>
-              <a:rPr b="0" i="0" lang="en-GB" sz="3500" u="none" cap="none" strike="noStrike">
-                <a:solidFill>
-                  <a:schemeClr val="dk1"/>
-                </a:solidFill>
-                <a:latin typeface="Calibri"/>
-                <a:ea typeface="Calibri"/>
-                <a:cs typeface="Calibri"/>
-                <a:sym typeface="Calibri"/>
-              </a:rPr>
-              <a:t>UPB Student</a:t>
-            </a:r>
-            <a:endParaRPr sz="3500">
-              <a:solidFill>
-                <a:schemeClr val="dk1"/>
-              </a:solidFill>
-              <a:latin typeface="Calibri"/>
-              <a:ea typeface="Calibri"/>
-              <a:cs typeface="Calibri"/>
-              <a:sym typeface="Calibri"/>
-            </a:endParaRPr>
-          </a:p>
-        </p:txBody>
-      </p:sp>
-      <p:sp>
-        <p:nvSpPr>
-          <p:cNvPr id="86" name="Google Shape;86;p1"/>
-          <p:cNvSpPr txBox="1"/>
-          <p:nvPr/>
-        </p:nvSpPr>
-        <p:spPr>
-          <a:xfrm>
-            <a:off x="8945358" y="2309851"/>
-            <a:ext cx="2798651" cy="630942"/>
-          </a:xfrm>
-          <a:prstGeom prst="rect">
-            <a:avLst/>
-          </a:prstGeom>
-          <a:noFill/>
-          <a:ln>
-            <a:noFill/>
-          </a:ln>
-        </p:spPr>
-        <p:txBody>
-          <a:bodyPr anchorCtr="0" anchor="t" bIns="45700" lIns="91425" spcFirstLastPara="1" rIns="91425" wrap="square" tIns="45700">
-            <a:spAutoFit/>
-          </a:bodyPr>
-          <a:lstStyle/>
-          <a:p>
-            <a:pPr indent="0" lvl="0" marL="0" marR="0" rtl="0" algn="l">
-              <a:spcBef>
-                <a:spcPts val="0"/>
-              </a:spcBef>
-              <a:spcAft>
-                <a:spcPts val="0"/>
-              </a:spcAft>
-              <a:buNone/>
-            </a:pPr>
-            <a:r>
-              <a:rPr lang="en-GB" sz="3500">
-                <a:solidFill>
-                  <a:schemeClr val="dk1"/>
-                </a:solidFill>
-                <a:latin typeface="Calibri"/>
-                <a:ea typeface="Calibri"/>
-                <a:cs typeface="Calibri"/>
-                <a:sym typeface="Calibri"/>
-              </a:rPr>
-              <a:t>Student Office</a:t>
-            </a:r>
-            <a:endParaRPr sz="3500">
-              <a:solidFill>
-                <a:schemeClr val="dk1"/>
-              </a:solidFill>
-              <a:latin typeface="Calibri"/>
-              <a:ea typeface="Calibri"/>
-              <a:cs typeface="Calibri"/>
-              <a:sym typeface="Calibri"/>
-            </a:endParaRPr>
-          </a:p>
-        </p:txBody>
-      </p:sp>
-      <p:sp>
-        <p:nvSpPr>
-          <p:cNvPr id="87" name="Google Shape;87;p1"/>
-          <p:cNvSpPr txBox="1"/>
-          <p:nvPr/>
-        </p:nvSpPr>
-        <p:spPr>
-          <a:xfrm rot="-1388421">
-            <a:off x="3811388" y="1497585"/>
-            <a:ext cx="1862004" cy="477054"/>
-          </a:xfrm>
-          <a:prstGeom prst="rect">
-            <a:avLst/>
-          </a:prstGeom>
-          <a:noFill/>
-          <a:ln>
-            <a:noFill/>
-          </a:ln>
-        </p:spPr>
-        <p:txBody>
-          <a:bodyPr anchorCtr="0" anchor="t" bIns="45700" lIns="91425" spcFirstLastPara="1" rIns="91425" wrap="square" tIns="45700">
-            <a:spAutoFit/>
-          </a:bodyPr>
-          <a:lstStyle/>
-          <a:p>
-            <a:pPr indent="0" lvl="0" marL="0" marR="0" rtl="0" algn="l">
-              <a:spcBef>
-                <a:spcPts val="0"/>
-              </a:spcBef>
-              <a:spcAft>
-                <a:spcPts val="0"/>
-              </a:spcAft>
-              <a:buNone/>
-            </a:pPr>
-            <a:r>
-              <a:rPr lang="en-GB" sz="2500">
-                <a:solidFill>
-                  <a:schemeClr val="dk1"/>
-                </a:solidFill>
-                <a:latin typeface="Calibri"/>
-                <a:ea typeface="Calibri"/>
-                <a:cs typeface="Calibri"/>
-                <a:sym typeface="Calibri"/>
-              </a:rPr>
-              <a:t>Waiting time</a:t>
+              <a:rPr lang="en-GB"/>
+              <a:t>Chatbot for Student Services Office at FILS Faculty </a:t>
             </a:r>
             <a:endParaRPr/>
           </a:p>
@@ -12626,474 +12573,193 @@
       </p:sp>
       <p:sp>
         <p:nvSpPr>
-          <p:cNvPr id="88" name="Google Shape;88;p1"/>
-          <p:cNvSpPr/>
-          <p:nvPr/>
+          <p:cNvPr id="85" name="Google Shape;85;gb421570802_6_5"/>
+          <p:cNvSpPr txBox="1"/>
+          <p:nvPr>
+            <p:ph idx="1" type="subTitle"/>
+          </p:nvPr>
         </p:nvSpPr>
         <p:spPr>
           <a:xfrm>
-            <a:off x="249754" y="2116831"/>
-            <a:ext cx="3111174" cy="1144843"/>
+            <a:off x="1524000" y="3602057"/>
+            <a:ext cx="9463200" cy="2670300"/>
           </a:xfrm>
-          <a:prstGeom prst="ellipse">
+          <a:prstGeom prst="rect">
             <a:avLst/>
           </a:prstGeom>
-          <a:noFill/>
-          <a:ln cap="flat" cmpd="sng" w="28575">
-            <a:solidFill>
-              <a:srgbClr val="31538F"/>
-            </a:solidFill>
-            <a:prstDash val="solid"/>
-            <a:miter lim="800000"/>
-            <a:headEnd len="sm" w="sm" type="none"/>
-            <a:tailEnd len="sm" w="sm" type="none"/>
-          </a:ln>
         </p:spPr>
         <p:txBody>
-          <a:bodyPr anchorCtr="0" anchor="ctr" bIns="45700" lIns="91425" spcFirstLastPara="1" rIns="91425" wrap="square" tIns="45700">
+          <a:bodyPr anchorCtr="0" anchor="t" bIns="45700" lIns="91425" spcFirstLastPara="1" rIns="91425" wrap="square" tIns="45700">
             <a:noAutofit/>
           </a:bodyPr>
           <a:lstStyle/>
           <a:p>
-            <a:pPr indent="0" lvl="0" marL="0" marR="0" rtl="0" algn="ctr">
-              <a:spcBef>
-                <a:spcPts val="0"/>
-              </a:spcBef>
-              <a:spcAft>
-                <a:spcPts val="0"/>
-              </a:spcAft>
+            <a:pPr indent="0" lvl="0" marL="0" rtl="0" algn="ctr">
+              <a:lnSpc>
+                <a:spcPct val="115000"/>
+              </a:lnSpc>
+              <a:spcBef>
+                <a:spcPts val="0"/>
+              </a:spcBef>
+              <a:spcAft>
+                <a:spcPts val="0"/>
+              </a:spcAft>
+              <a:buClr>
+                <a:schemeClr val="dk1"/>
+              </a:buClr>
+              <a:buSzPts val="1100"/>
+              <a:buFont typeface="Arial"/>
               <a:buNone/>
             </a:pPr>
             <a:r>
-              <a:t/>
+              <a:rPr b="1" lang="en-GB" sz="1900">
+                <a:latin typeface="Times New Roman"/>
+                <a:ea typeface="Times New Roman"/>
+                <a:cs typeface="Times New Roman"/>
+                <a:sym typeface="Times New Roman"/>
+              </a:rPr>
+              <a:t>Team members:</a:t>
             </a:r>
-            <a:endParaRPr sz="1800">
-              <a:solidFill>
-                <a:schemeClr val="lt1"/>
-              </a:solidFill>
-              <a:latin typeface="Calibri"/>
-              <a:ea typeface="Calibri"/>
-              <a:cs typeface="Calibri"/>
-              <a:sym typeface="Calibri"/>
+            <a:endParaRPr b="1" sz="1900">
+              <a:latin typeface="Times New Roman"/>
+              <a:ea typeface="Times New Roman"/>
+              <a:cs typeface="Times New Roman"/>
+              <a:sym typeface="Times New Roman"/>
             </a:endParaRPr>
+          </a:p>
+          <a:p>
+            <a:pPr indent="0" lvl="0" marL="0" rtl="0" algn="ctr">
+              <a:lnSpc>
+                <a:spcPct val="115000"/>
+              </a:lnSpc>
+              <a:spcBef>
+                <a:spcPts val="0"/>
+              </a:spcBef>
+              <a:spcAft>
+                <a:spcPts val="0"/>
+              </a:spcAft>
+              <a:buClr>
+                <a:schemeClr val="dk1"/>
+              </a:buClr>
+              <a:buSzPts val="1100"/>
+              <a:buFont typeface="Arial"/>
+              <a:buNone/>
+            </a:pPr>
+            <a:r>
+              <a:rPr lang="en-GB" sz="2100">
+                <a:latin typeface="Times New Roman"/>
+                <a:ea typeface="Times New Roman"/>
+                <a:cs typeface="Times New Roman"/>
+                <a:sym typeface="Times New Roman"/>
+              </a:rPr>
+              <a:t>Minescu Andrei</a:t>
+            </a:r>
+            <a:endParaRPr sz="2100">
+              <a:latin typeface="Times New Roman"/>
+              <a:ea typeface="Times New Roman"/>
+              <a:cs typeface="Times New Roman"/>
+              <a:sym typeface="Times New Roman"/>
+            </a:endParaRPr>
+          </a:p>
+          <a:p>
+            <a:pPr indent="0" lvl="0" marL="0" rtl="0" algn="ctr">
+              <a:lnSpc>
+                <a:spcPct val="115000"/>
+              </a:lnSpc>
+              <a:spcBef>
+                <a:spcPts val="0"/>
+              </a:spcBef>
+              <a:spcAft>
+                <a:spcPts val="0"/>
+              </a:spcAft>
+              <a:buClr>
+                <a:schemeClr val="dk1"/>
+              </a:buClr>
+              <a:buSzPts val="1100"/>
+              <a:buFont typeface="Arial"/>
+              <a:buNone/>
+            </a:pPr>
+            <a:r>
+              <a:rPr lang="en-GB" sz="2100">
+                <a:latin typeface="Times New Roman"/>
+                <a:ea typeface="Times New Roman"/>
+                <a:cs typeface="Times New Roman"/>
+                <a:sym typeface="Times New Roman"/>
+              </a:rPr>
+              <a:t>Manolescu Alexandru</a:t>
+            </a:r>
+            <a:endParaRPr sz="2100">
+              <a:latin typeface="Times New Roman"/>
+              <a:ea typeface="Times New Roman"/>
+              <a:cs typeface="Times New Roman"/>
+              <a:sym typeface="Times New Roman"/>
+            </a:endParaRPr>
+          </a:p>
+          <a:p>
+            <a:pPr indent="0" lvl="0" marL="0" rtl="0" algn="ctr">
+              <a:lnSpc>
+                <a:spcPct val="115000"/>
+              </a:lnSpc>
+              <a:spcBef>
+                <a:spcPts val="0"/>
+              </a:spcBef>
+              <a:spcAft>
+                <a:spcPts val="0"/>
+              </a:spcAft>
+              <a:buClr>
+                <a:schemeClr val="dk1"/>
+              </a:buClr>
+              <a:buSzPts val="1100"/>
+              <a:buFont typeface="Arial"/>
+              <a:buNone/>
+            </a:pPr>
+            <a:r>
+              <a:rPr lang="en-GB" sz="2100">
+                <a:latin typeface="Times New Roman"/>
+                <a:ea typeface="Times New Roman"/>
+                <a:cs typeface="Times New Roman"/>
+                <a:sym typeface="Times New Roman"/>
+              </a:rPr>
+              <a:t>Cerneanu Valentin</a:t>
+            </a:r>
+            <a:endParaRPr sz="2100">
+              <a:latin typeface="Times New Roman"/>
+              <a:ea typeface="Times New Roman"/>
+              <a:cs typeface="Times New Roman"/>
+              <a:sym typeface="Times New Roman"/>
+            </a:endParaRPr>
+          </a:p>
+          <a:p>
+            <a:pPr indent="0" lvl="0" marL="0" rtl="0" algn="ctr">
+              <a:lnSpc>
+                <a:spcPct val="115000"/>
+              </a:lnSpc>
+              <a:spcBef>
+                <a:spcPts val="0"/>
+              </a:spcBef>
+              <a:spcAft>
+                <a:spcPts val="0"/>
+              </a:spcAft>
+              <a:buClr>
+                <a:schemeClr val="dk1"/>
+              </a:buClr>
+              <a:buSzPts val="1100"/>
+              <a:buFont typeface="Arial"/>
+              <a:buNone/>
+            </a:pPr>
+            <a:r>
+              <a:rPr lang="en-GB" sz="2100">
+                <a:latin typeface="Times New Roman"/>
+                <a:ea typeface="Times New Roman"/>
+                <a:cs typeface="Times New Roman"/>
+                <a:sym typeface="Times New Roman"/>
+              </a:rPr>
+              <a:t>Alshikh Sulaiman Rim</a:t>
+            </a:r>
+            <a:endParaRPr sz="3100"/>
           </a:p>
         </p:txBody>
       </p:sp>
-      <p:sp>
-        <p:nvSpPr>
-          <p:cNvPr id="89" name="Google Shape;89;p1"/>
-          <p:cNvSpPr/>
-          <p:nvPr/>
-        </p:nvSpPr>
-        <p:spPr>
-          <a:xfrm>
-            <a:off x="8520665" y="2007909"/>
-            <a:ext cx="3374992" cy="1304818"/>
-          </a:xfrm>
-          <a:prstGeom prst="ellipse">
-            <a:avLst/>
-          </a:prstGeom>
-          <a:noFill/>
-          <a:ln cap="flat" cmpd="sng" w="28575">
-            <a:solidFill>
-              <a:srgbClr val="31538F"/>
-            </a:solidFill>
-            <a:prstDash val="solid"/>
-            <a:miter lim="800000"/>
-            <a:headEnd len="sm" w="sm" type="none"/>
-            <a:tailEnd len="sm" w="sm" type="none"/>
-          </a:ln>
-        </p:spPr>
-        <p:txBody>
-          <a:bodyPr anchorCtr="0" anchor="ctr" bIns="45700" lIns="91425" spcFirstLastPara="1" rIns="91425" wrap="square" tIns="45700">
-            <a:noAutofit/>
-          </a:bodyPr>
-          <a:lstStyle/>
-          <a:p>
-            <a:pPr indent="0" lvl="0" marL="0" marR="0" rtl="0" algn="ctr">
-              <a:spcBef>
-                <a:spcPts val="0"/>
-              </a:spcBef>
-              <a:spcAft>
-                <a:spcPts val="0"/>
-              </a:spcAft>
-              <a:buNone/>
-            </a:pPr>
-            <a:r>
-              <a:t/>
-            </a:r>
-            <a:endParaRPr sz="1800">
-              <a:solidFill>
-                <a:schemeClr val="lt1"/>
-              </a:solidFill>
-              <a:latin typeface="Calibri"/>
-              <a:ea typeface="Calibri"/>
-              <a:cs typeface="Calibri"/>
-              <a:sym typeface="Calibri"/>
-            </a:endParaRPr>
-          </a:p>
-        </p:txBody>
-      </p:sp>
-      <p:sp>
-        <p:nvSpPr>
-          <p:cNvPr id="90" name="Google Shape;90;p1"/>
-          <p:cNvSpPr txBox="1"/>
-          <p:nvPr/>
-        </p:nvSpPr>
-        <p:spPr>
-          <a:xfrm rot="1200118">
-            <a:off x="5894641" y="1657263"/>
-            <a:ext cx="2910525" cy="446276"/>
-          </a:xfrm>
-          <a:prstGeom prst="rect">
-            <a:avLst/>
-          </a:prstGeom>
-          <a:noFill/>
-          <a:ln>
-            <a:noFill/>
-          </a:ln>
-        </p:spPr>
-        <p:txBody>
-          <a:bodyPr anchorCtr="0" anchor="t" bIns="45700" lIns="91425" spcFirstLastPara="1" rIns="91425" wrap="square" tIns="45700">
-            <a:spAutoFit/>
-          </a:bodyPr>
-          <a:lstStyle/>
-          <a:p>
-            <a:pPr indent="0" lvl="0" marL="0" marR="0" rtl="0" algn="l">
-              <a:spcBef>
-                <a:spcPts val="0"/>
-              </a:spcBef>
-              <a:spcAft>
-                <a:spcPts val="0"/>
-              </a:spcAft>
-              <a:buNone/>
-            </a:pPr>
-            <a:r>
-              <a:rPr lang="en-GB" sz="2300">
-                <a:solidFill>
-                  <a:schemeClr val="dk1"/>
-                </a:solidFill>
-                <a:latin typeface="Calibri"/>
-                <a:ea typeface="Calibri"/>
-                <a:cs typeface="Calibri"/>
-                <a:sym typeface="Calibri"/>
-              </a:rPr>
-              <a:t>Rules &amp; procedures</a:t>
-            </a:r>
-            <a:endParaRPr/>
-          </a:p>
-        </p:txBody>
-      </p:sp>
-      <p:sp>
-        <p:nvSpPr>
-          <p:cNvPr id="91" name="Google Shape;91;p1"/>
-          <p:cNvSpPr txBox="1"/>
-          <p:nvPr/>
-        </p:nvSpPr>
-        <p:spPr>
-          <a:xfrm rot="1097663">
-            <a:off x="3362638" y="3569096"/>
-            <a:ext cx="2712521" cy="477054"/>
-          </a:xfrm>
-          <a:prstGeom prst="rect">
-            <a:avLst/>
-          </a:prstGeom>
-          <a:noFill/>
-          <a:ln>
-            <a:noFill/>
-          </a:ln>
-        </p:spPr>
-        <p:txBody>
-          <a:bodyPr anchorCtr="0" anchor="t" bIns="45700" lIns="91425" spcFirstLastPara="1" rIns="91425" wrap="square" tIns="45700">
-            <a:spAutoFit/>
-          </a:bodyPr>
-          <a:lstStyle/>
-          <a:p>
-            <a:pPr indent="0" lvl="0" marL="0" marR="0" rtl="0" algn="l">
-              <a:spcBef>
-                <a:spcPts val="0"/>
-              </a:spcBef>
-              <a:spcAft>
-                <a:spcPts val="0"/>
-              </a:spcAft>
-              <a:buNone/>
-            </a:pPr>
-            <a:r>
-              <a:rPr lang="en-GB" sz="2500">
-                <a:solidFill>
-                  <a:schemeClr val="dk1"/>
-                </a:solidFill>
-                <a:latin typeface="Calibri"/>
-                <a:ea typeface="Calibri"/>
-                <a:cs typeface="Calibri"/>
-                <a:sym typeface="Calibri"/>
-              </a:rPr>
-              <a:t>Paperwork-centric </a:t>
-            </a:r>
-            <a:endParaRPr/>
-          </a:p>
-        </p:txBody>
-      </p:sp>
-      <p:sp>
-        <p:nvSpPr>
-          <p:cNvPr id="92" name="Google Shape;92;p1"/>
-          <p:cNvSpPr txBox="1"/>
-          <p:nvPr/>
-        </p:nvSpPr>
-        <p:spPr>
-          <a:xfrm rot="-1133380">
-            <a:off x="6050506" y="3445192"/>
-            <a:ext cx="3648041" cy="415498"/>
-          </a:xfrm>
-          <a:prstGeom prst="rect">
-            <a:avLst/>
-          </a:prstGeom>
-          <a:noFill/>
-          <a:ln>
-            <a:noFill/>
-          </a:ln>
-        </p:spPr>
-        <p:txBody>
-          <a:bodyPr anchorCtr="0" anchor="t" bIns="45700" lIns="91425" spcFirstLastPara="1" rIns="91425" wrap="square" tIns="45700">
-            <a:spAutoFit/>
-          </a:bodyPr>
-          <a:lstStyle/>
-          <a:p>
-            <a:pPr indent="0" lvl="0" marL="0" marR="0" rtl="0" algn="l">
-              <a:spcBef>
-                <a:spcPts val="0"/>
-              </a:spcBef>
-              <a:spcAft>
-                <a:spcPts val="0"/>
-              </a:spcAft>
-              <a:buNone/>
-            </a:pPr>
-            <a:r>
-              <a:rPr lang="en-GB" sz="2100">
-                <a:solidFill>
-                  <a:schemeClr val="dk1"/>
-                </a:solidFill>
-                <a:latin typeface="Calibri"/>
-                <a:ea typeface="Calibri"/>
-                <a:cs typeface="Calibri"/>
-                <a:sym typeface="Calibri"/>
-              </a:rPr>
-              <a:t>Lack of communication</a:t>
-            </a:r>
-            <a:endParaRPr/>
-          </a:p>
-        </p:txBody>
-      </p:sp>
-      <p:pic>
-        <p:nvPicPr>
-          <p:cNvPr descr="problem – UX Fundamentals" id="93" name="Google Shape;93;p1"/>
-          <p:cNvPicPr preferRelativeResize="0"/>
-          <p:nvPr/>
-        </p:nvPicPr>
-        <p:blipFill rotWithShape="1">
-          <a:blip r:embed="rId4">
-            <a:alphaModFix/>
-          </a:blip>
-          <a:srcRect b="0" l="0" r="0" t="0"/>
-          <a:stretch/>
-        </p:blipFill>
-        <p:spPr>
-          <a:xfrm>
-            <a:off x="86003" y="29442"/>
-            <a:ext cx="1997320" cy="1997320"/>
-          </a:xfrm>
-          <a:prstGeom prst="rect">
-            <a:avLst/>
-          </a:prstGeom>
-          <a:noFill/>
-          <a:ln>
-            <a:noFill/>
-          </a:ln>
-        </p:spPr>
-      </p:pic>
-      <p:sp>
-        <p:nvSpPr>
-          <p:cNvPr id="94" name="Google Shape;94;p1"/>
-          <p:cNvSpPr/>
-          <p:nvPr/>
-        </p:nvSpPr>
-        <p:spPr>
-          <a:xfrm>
-            <a:off x="385440" y="4817227"/>
-            <a:ext cx="1786066" cy="923330"/>
-          </a:xfrm>
-          <a:prstGeom prst="rect">
-            <a:avLst/>
-          </a:prstGeom>
-          <a:noFill/>
-          <a:ln>
-            <a:noFill/>
-          </a:ln>
-        </p:spPr>
-        <p:txBody>
-          <a:bodyPr anchorCtr="0" anchor="t" bIns="45700" lIns="91425" spcFirstLastPara="1" rIns="91425" wrap="square" tIns="45700">
-            <a:spAutoFit/>
-          </a:bodyPr>
-          <a:lstStyle/>
-          <a:p>
-            <a:pPr indent="0" lvl="0" marL="0" marR="0" rtl="0" algn="ctr">
-              <a:spcBef>
-                <a:spcPts val="0"/>
-              </a:spcBef>
-              <a:spcAft>
-                <a:spcPts val="0"/>
-              </a:spcAft>
-              <a:buNone/>
-            </a:pPr>
-            <a:r>
-              <a:rPr b="0" lang="en-GB" sz="5400" cap="none">
-                <a:solidFill>
-                  <a:schemeClr val="dk1"/>
-                </a:solidFill>
-                <a:latin typeface="Calibri"/>
-                <a:ea typeface="Calibri"/>
-                <a:cs typeface="Calibri"/>
-                <a:sym typeface="Calibri"/>
-              </a:rPr>
-              <a:t>Why?</a:t>
-            </a:r>
-            <a:endParaRPr/>
-          </a:p>
-        </p:txBody>
-      </p:sp>
-      <p:sp>
-        <p:nvSpPr>
-          <p:cNvPr id="95" name="Google Shape;95;p1"/>
-          <p:cNvSpPr txBox="1"/>
-          <p:nvPr/>
-        </p:nvSpPr>
-        <p:spPr>
-          <a:xfrm>
-            <a:off x="3403252" y="4905655"/>
-            <a:ext cx="5728195" cy="1508105"/>
-          </a:xfrm>
-          <a:prstGeom prst="rect">
-            <a:avLst/>
-          </a:prstGeom>
-          <a:noFill/>
-          <a:ln>
-            <a:noFill/>
-          </a:ln>
-        </p:spPr>
-        <p:txBody>
-          <a:bodyPr anchorCtr="0" anchor="t" bIns="45700" lIns="91425" spcFirstLastPara="1" rIns="91425" wrap="square" tIns="45700">
-            <a:spAutoFit/>
-          </a:bodyPr>
-          <a:lstStyle/>
-          <a:p>
-            <a:pPr indent="0" lvl="0" marL="0" marR="0" rtl="0" algn="ctr">
-              <a:spcBef>
-                <a:spcPts val="0"/>
-              </a:spcBef>
-              <a:spcAft>
-                <a:spcPts val="0"/>
-              </a:spcAft>
-              <a:buNone/>
-            </a:pPr>
-            <a:r>
-              <a:rPr lang="en-GB" sz="2300">
-                <a:solidFill>
-                  <a:srgbClr val="292929"/>
-                </a:solidFill>
-                <a:latin typeface="Calibri"/>
-                <a:ea typeface="Calibri"/>
-                <a:cs typeface="Calibri"/>
-                <a:sym typeface="Calibri"/>
-              </a:rPr>
-              <a:t>Digitalization of educational institution</a:t>
-            </a:r>
-            <a:endParaRPr/>
-          </a:p>
-          <a:p>
-            <a:pPr indent="0" lvl="0" marL="0" marR="0" rtl="0" algn="ctr">
-              <a:spcBef>
-                <a:spcPts val="0"/>
-              </a:spcBef>
-              <a:spcAft>
-                <a:spcPts val="0"/>
-              </a:spcAft>
-              <a:buNone/>
-            </a:pPr>
-            <a:r>
-              <a:rPr lang="en-GB" sz="2300">
-                <a:solidFill>
-                  <a:srgbClr val="292929"/>
-                </a:solidFill>
-                <a:latin typeface="Calibri"/>
-                <a:ea typeface="Calibri"/>
-                <a:cs typeface="Calibri"/>
-                <a:sym typeface="Calibri"/>
-              </a:rPr>
-              <a:t> = </a:t>
-            </a:r>
-            <a:endParaRPr/>
-          </a:p>
-          <a:p>
-            <a:pPr indent="0" lvl="0" marL="0" marR="0" rtl="0" algn="ctr">
-              <a:spcBef>
-                <a:spcPts val="0"/>
-              </a:spcBef>
-              <a:spcAft>
-                <a:spcPts val="0"/>
-              </a:spcAft>
-              <a:buNone/>
-            </a:pPr>
-            <a:r>
-              <a:rPr lang="en-GB" sz="2300">
-                <a:solidFill>
-                  <a:srgbClr val="292929"/>
-                </a:solidFill>
-                <a:latin typeface="Calibri"/>
-                <a:ea typeface="Calibri"/>
-                <a:cs typeface="Calibri"/>
-                <a:sym typeface="Calibri"/>
-              </a:rPr>
-              <a:t>essential global trend in terms of reformation and modernization </a:t>
-            </a:r>
-            <a:endParaRPr sz="2300">
-              <a:solidFill>
-                <a:schemeClr val="dk1"/>
-              </a:solidFill>
-              <a:latin typeface="Calibri"/>
-              <a:ea typeface="Calibri"/>
-              <a:cs typeface="Calibri"/>
-              <a:sym typeface="Calibri"/>
-            </a:endParaRPr>
-          </a:p>
-        </p:txBody>
-      </p:sp>
-      <p:pic>
-        <p:nvPicPr>
-          <p:cNvPr descr="John Flannery: GE's Long Digital Game | GE News" id="96" name="Google Shape;96;p1"/>
-          <p:cNvPicPr preferRelativeResize="0"/>
-          <p:nvPr/>
-        </p:nvPicPr>
-        <p:blipFill rotWithShape="1">
-          <a:blip r:embed="rId5">
-            <a:alphaModFix/>
-          </a:blip>
-          <a:srcRect b="0" l="0" r="0" t="0"/>
-          <a:stretch/>
-        </p:blipFill>
-        <p:spPr>
-          <a:xfrm>
-            <a:off x="9070980" y="3994608"/>
-            <a:ext cx="3004986" cy="2568568"/>
-          </a:xfrm>
-          <a:prstGeom prst="rect">
-            <a:avLst/>
-          </a:prstGeom>
-          <a:noFill/>
-          <a:ln>
-            <a:noFill/>
-          </a:ln>
-        </p:spPr>
-      </p:pic>
     </p:spTree>
   </p:cSld>
   <p:clrMapOvr>
@@ -13119,9 +12785,90 @@
           <a:chExt cx="0" cy="0"/>
         </a:xfrm>
       </p:grpSpPr>
+      <p:pic>
+        <p:nvPicPr>
+          <p:cNvPr id="168" name="Google Shape;168;gb421570802_3_17"/>
+          <p:cNvPicPr preferRelativeResize="0"/>
+          <p:nvPr/>
+        </p:nvPicPr>
+        <p:blipFill>
+          <a:blip r:embed="rId3">
+            <a:alphaModFix/>
+          </a:blip>
+          <a:stretch>
+            <a:fillRect/>
+          </a:stretch>
+        </p:blipFill>
+        <p:spPr>
+          <a:xfrm>
+            <a:off x="351775" y="152400"/>
+            <a:ext cx="8672626" cy="6553200"/>
+          </a:xfrm>
+          <a:prstGeom prst="rect">
+            <a:avLst/>
+          </a:prstGeom>
+          <a:noFill/>
+          <a:ln>
+            <a:noFill/>
+          </a:ln>
+        </p:spPr>
+      </p:pic>
+      <p:pic>
+        <p:nvPicPr>
+          <p:cNvPr id="169" name="Google Shape;169;gb421570802_3_17"/>
+          <p:cNvPicPr preferRelativeResize="0"/>
+          <p:nvPr/>
+        </p:nvPicPr>
+        <p:blipFill>
+          <a:blip r:embed="rId4">
+            <a:alphaModFix/>
+          </a:blip>
+          <a:stretch>
+            <a:fillRect/>
+          </a:stretch>
+        </p:blipFill>
+        <p:spPr>
+          <a:xfrm>
+            <a:off x="6721200" y="257875"/>
+            <a:ext cx="5384325" cy="5848351"/>
+          </a:xfrm>
+          <a:prstGeom prst="rect">
+            <a:avLst/>
+          </a:prstGeom>
+          <a:noFill/>
+          <a:ln>
+            <a:noFill/>
+          </a:ln>
+        </p:spPr>
+      </p:pic>
+    </p:spTree>
+  </p:cSld>
+  <p:clrMapOvr>
+    <a:masterClrMapping/>
+  </p:clrMapOvr>
+</p:sld>
+</file>
+
+<file path=ppt/slides/slide11.xml><?xml version="1.0" encoding="utf-8"?>
+<p:sld xmlns:a="http://schemas.openxmlformats.org/drawingml/2006/main" xmlns:r="http://schemas.openxmlformats.org/officeDocument/2006/relationships" xmlns:mc="http://schemas.openxmlformats.org/markup-compatibility/2006" xmlns:mv="urn:schemas-microsoft-com:mac:vml" xmlns:p="http://schemas.openxmlformats.org/presentationml/2006/main" xmlns:c="http://schemas.openxmlformats.org/drawingml/2006/chart" xmlns:dgm="http://schemas.openxmlformats.org/drawingml/2006/diagram" xmlns:o="urn:schemas-microsoft-com:office:office" xmlns:v="urn:schemas-microsoft-com:vml" xmlns:pvml="urn:schemas-microsoft-com:office:powerpoint" xmlns:com="http://schemas.openxmlformats.org/drawingml/2006/compatibility" xmlns:p14="http://schemas.microsoft.com/office/powerpoint/2010/main" xmlns:p15="http://schemas.microsoft.com/office/powerpoint/2012/main" xmlns:ahyp="http://schemas.microsoft.com/office/drawing/2018/hyperlinkcolor">
+  <p:cSld>
+    <p:spTree>
+      <p:nvGrpSpPr>
+        <p:cNvPr id="173" name="Shape 173"/>
+        <p:cNvGrpSpPr/>
+        <p:nvPr/>
+      </p:nvGrpSpPr>
+      <p:grpSpPr>
+        <a:xfrm>
+          <a:off x="0" y="0"/>
+          <a:ext cx="0" cy="0"/>
+          <a:chOff x="0" y="0"/>
+          <a:chExt cx="0" cy="0"/>
+        </a:xfrm>
+      </p:grpSpPr>
       <p:sp>
         <p:nvSpPr>
-          <p:cNvPr id="168" name="Google Shape;168;gb421570802_4_4"/>
+          <p:cNvPr id="174" name="Google Shape;174;gb421570802_4_4"/>
           <p:cNvSpPr txBox="1"/>
           <p:nvPr>
             <p:ph type="ctrTitle"/>
@@ -13165,7 +12912,7 @@
       </p:sp>
       <p:pic>
         <p:nvPicPr>
-          <p:cNvPr id="169" name="Google Shape;169;gb421570802_4_4"/>
+          <p:cNvPr id="175" name="Google Shape;175;gb421570802_4_4"/>
           <p:cNvPicPr preferRelativeResize="0"/>
           <p:nvPr/>
         </p:nvPicPr>
@@ -13192,7 +12939,7 @@
       </p:pic>
       <p:sp>
         <p:nvSpPr>
-          <p:cNvPr id="170" name="Google Shape;170;gb421570802_4_4"/>
+          <p:cNvPr id="176" name="Google Shape;176;gb421570802_4_4"/>
           <p:cNvSpPr txBox="1"/>
           <p:nvPr/>
         </p:nvSpPr>
@@ -13307,12 +13054,12 @@
 </p:sld>
 </file>
 
-<file path=ppt/slides/slide11.xml><?xml version="1.0" encoding="utf-8"?>
+<file path=ppt/slides/slide12.xml><?xml version="1.0" encoding="utf-8"?>
 <p:sld xmlns:a="http://schemas.openxmlformats.org/drawingml/2006/main" xmlns:r="http://schemas.openxmlformats.org/officeDocument/2006/relationships" xmlns:mc="http://schemas.openxmlformats.org/markup-compatibility/2006" xmlns:mv="urn:schemas-microsoft-com:mac:vml" xmlns:p="http://schemas.openxmlformats.org/presentationml/2006/main" xmlns:c="http://schemas.openxmlformats.org/drawingml/2006/chart" xmlns:dgm="http://schemas.openxmlformats.org/drawingml/2006/diagram" xmlns:o="urn:schemas-microsoft-com:office:office" xmlns:v="urn:schemas-microsoft-com:vml" xmlns:pvml="urn:schemas-microsoft-com:office:powerpoint" xmlns:com="http://schemas.openxmlformats.org/drawingml/2006/compatibility" xmlns:p14="http://schemas.microsoft.com/office/powerpoint/2010/main" xmlns:p15="http://schemas.microsoft.com/office/powerpoint/2012/main" xmlns:ahyp="http://schemas.microsoft.com/office/drawing/2018/hyperlinkcolor">
   <p:cSld>
     <p:spTree>
       <p:nvGrpSpPr>
-        <p:cNvPr id="174" name="Shape 174"/>
+        <p:cNvPr id="180" name="Shape 180"/>
         <p:cNvGrpSpPr/>
         <p:nvPr/>
       </p:nvGrpSpPr>
@@ -13326,7 +13073,7 @@
       </p:grpSpPr>
       <p:sp>
         <p:nvSpPr>
-          <p:cNvPr id="175" name="Google Shape;175;gb421570802_4_10"/>
+          <p:cNvPr id="181" name="Google Shape;181;gb421570802_4_10"/>
           <p:cNvSpPr txBox="1"/>
           <p:nvPr>
             <p:ph type="ctrTitle"/>
@@ -13366,7 +13113,7 @@
       </p:sp>
       <p:pic>
         <p:nvPicPr>
-          <p:cNvPr id="176" name="Google Shape;176;gb421570802_4_10"/>
+          <p:cNvPr id="182" name="Google Shape;182;gb421570802_4_10"/>
           <p:cNvPicPr preferRelativeResize="0"/>
           <p:nvPr/>
         </p:nvPicPr>
@@ -13394,7 +13141,7 @@
       </p:pic>
       <p:pic>
         <p:nvPicPr>
-          <p:cNvPr id="177" name="Google Shape;177;gb421570802_4_10"/>
+          <p:cNvPr id="183" name="Google Shape;183;gb421570802_4_10"/>
           <p:cNvPicPr preferRelativeResize="0"/>
           <p:nvPr/>
         </p:nvPicPr>
@@ -13422,14 +13169,14 @@
       </p:pic>
       <p:sp>
         <p:nvSpPr>
-          <p:cNvPr id="178" name="Google Shape;178;gb421570802_4_10"/>
+          <p:cNvPr id="184" name="Google Shape;184;gb421570802_4_10"/>
           <p:cNvSpPr txBox="1"/>
           <p:nvPr/>
         </p:nvSpPr>
         <p:spPr>
           <a:xfrm>
             <a:off x="121200" y="4678150"/>
-            <a:ext cx="3234000" cy="878100"/>
+            <a:ext cx="3234000" cy="438600"/>
           </a:xfrm>
           <a:prstGeom prst="rect">
             <a:avLst/>
@@ -13475,7 +13222,7 @@
                 <a:cs typeface="Times New Roman"/>
                 <a:sym typeface="Times New Roman"/>
               </a:rPr>
-              <a:t>What is Net Promoter Score (NPS) ?</a:t>
+              <a:t>Net Promoter Score (NPS) </a:t>
             </a:r>
             <a:endParaRPr>
               <a:latin typeface="Calibri"/>
@@ -13488,7 +13235,7 @@
       </p:sp>
       <p:sp>
         <p:nvSpPr>
-          <p:cNvPr id="179" name="Google Shape;179;gb421570802_4_10"/>
+          <p:cNvPr id="185" name="Google Shape;185;gb421570802_4_10"/>
           <p:cNvSpPr txBox="1"/>
           <p:nvPr/>
         </p:nvSpPr>
@@ -13555,12 +13302,12 @@
 </p:sld>
 </file>
 
-<file path=ppt/slides/slide12.xml><?xml version="1.0" encoding="utf-8"?>
+<file path=ppt/slides/slide13.xml><?xml version="1.0" encoding="utf-8"?>
 <p:sld xmlns:a="http://schemas.openxmlformats.org/drawingml/2006/main" xmlns:r="http://schemas.openxmlformats.org/officeDocument/2006/relationships" xmlns:mc="http://schemas.openxmlformats.org/markup-compatibility/2006" xmlns:mv="urn:schemas-microsoft-com:mac:vml" xmlns:p="http://schemas.openxmlformats.org/presentationml/2006/main" xmlns:c="http://schemas.openxmlformats.org/drawingml/2006/chart" xmlns:dgm="http://schemas.openxmlformats.org/drawingml/2006/diagram" xmlns:o="urn:schemas-microsoft-com:office:office" xmlns:v="urn:schemas-microsoft-com:vml" xmlns:pvml="urn:schemas-microsoft-com:office:powerpoint" xmlns:com="http://schemas.openxmlformats.org/drawingml/2006/compatibility" xmlns:p14="http://schemas.microsoft.com/office/powerpoint/2010/main" xmlns:p15="http://schemas.microsoft.com/office/powerpoint/2012/main" xmlns:ahyp="http://schemas.microsoft.com/office/drawing/2018/hyperlinkcolor">
   <p:cSld>
     <p:spTree>
       <p:nvGrpSpPr>
-        <p:cNvPr id="183" name="Shape 183"/>
+        <p:cNvPr id="189" name="Shape 189"/>
         <p:cNvGrpSpPr/>
         <p:nvPr/>
       </p:nvGrpSpPr>
@@ -13574,7 +13321,7 @@
       </p:grpSpPr>
       <p:sp>
         <p:nvSpPr>
-          <p:cNvPr id="184" name="Google Shape;184;gb421570802_0_5"/>
+          <p:cNvPr id="190" name="Google Shape;190;gb421570802_0_5"/>
           <p:cNvSpPr txBox="1"/>
           <p:nvPr>
             <p:ph type="title"/>
@@ -13618,7 +13365,7 @@
       </p:sp>
       <p:sp>
         <p:nvSpPr>
-          <p:cNvPr id="185" name="Google Shape;185;gb421570802_0_5"/>
+          <p:cNvPr id="191" name="Google Shape;191;gb421570802_0_5"/>
           <p:cNvSpPr txBox="1"/>
           <p:nvPr>
             <p:ph idx="1" type="body"/>
@@ -14074,12 +13821,12 @@
 </p:sld>
 </file>
 
-<file path=ppt/slides/slide13.xml><?xml version="1.0" encoding="utf-8"?>
+<file path=ppt/slides/slide14.xml><?xml version="1.0" encoding="utf-8"?>
 <p:sld xmlns:a="http://schemas.openxmlformats.org/drawingml/2006/main" xmlns:r="http://schemas.openxmlformats.org/officeDocument/2006/relationships" xmlns:mc="http://schemas.openxmlformats.org/markup-compatibility/2006" xmlns:mv="urn:schemas-microsoft-com:mac:vml" xmlns:p="http://schemas.openxmlformats.org/presentationml/2006/main" xmlns:c="http://schemas.openxmlformats.org/drawingml/2006/chart" xmlns:dgm="http://schemas.openxmlformats.org/drawingml/2006/diagram" xmlns:o="urn:schemas-microsoft-com:office:office" xmlns:v="urn:schemas-microsoft-com:vml" xmlns:pvml="urn:schemas-microsoft-com:office:powerpoint" xmlns:com="http://schemas.openxmlformats.org/drawingml/2006/compatibility" xmlns:p14="http://schemas.microsoft.com/office/powerpoint/2010/main" xmlns:p15="http://schemas.microsoft.com/office/powerpoint/2012/main" xmlns:ahyp="http://schemas.microsoft.com/office/drawing/2018/hyperlinkcolor">
   <p:cSld>
     <p:spTree>
       <p:nvGrpSpPr>
-        <p:cNvPr id="189" name="Shape 189"/>
+        <p:cNvPr id="195" name="Shape 195"/>
         <p:cNvGrpSpPr/>
         <p:nvPr/>
       </p:nvGrpSpPr>
@@ -14093,7 +13840,7 @@
       </p:grpSpPr>
       <p:sp>
         <p:nvSpPr>
-          <p:cNvPr id="190" name="Google Shape;190;gb421570802_6_0"/>
+          <p:cNvPr id="196" name="Google Shape;196;gb421570802_6_0"/>
           <p:cNvSpPr txBox="1"/>
           <p:nvPr>
             <p:ph type="title"/>
@@ -14128,258 +13875,6 @@
               <a:t>Implementation demo</a:t>
             </a:r>
             <a:endParaRPr/>
-          </a:p>
-        </p:txBody>
-      </p:sp>
-    </p:spTree>
-  </p:cSld>
-  <p:clrMapOvr>
-    <a:masterClrMapping/>
-  </p:clrMapOvr>
-</p:sld>
-</file>
-
-<file path=ppt/slides/slide14.xml><?xml version="1.0" encoding="utf-8"?>
-<p:sld xmlns:a="http://schemas.openxmlformats.org/drawingml/2006/main" xmlns:r="http://schemas.openxmlformats.org/officeDocument/2006/relationships" xmlns:mc="http://schemas.openxmlformats.org/markup-compatibility/2006" xmlns:mv="urn:schemas-microsoft-com:mac:vml" xmlns:p="http://schemas.openxmlformats.org/presentationml/2006/main" xmlns:c="http://schemas.openxmlformats.org/drawingml/2006/chart" xmlns:dgm="http://schemas.openxmlformats.org/drawingml/2006/diagram" xmlns:o="urn:schemas-microsoft-com:office:office" xmlns:v="urn:schemas-microsoft-com:vml" xmlns:pvml="urn:schemas-microsoft-com:office:powerpoint" xmlns:com="http://schemas.openxmlformats.org/drawingml/2006/compatibility" xmlns:p14="http://schemas.microsoft.com/office/powerpoint/2010/main" xmlns:p15="http://schemas.microsoft.com/office/powerpoint/2012/main" xmlns:ahyp="http://schemas.microsoft.com/office/drawing/2018/hyperlinkcolor">
-  <p:cSld>
-    <p:spTree>
-      <p:nvGrpSpPr>
-        <p:cNvPr id="194" name="Shape 194"/>
-        <p:cNvGrpSpPr/>
-        <p:nvPr/>
-      </p:nvGrpSpPr>
-      <p:grpSpPr>
-        <a:xfrm>
-          <a:off x="0" y="0"/>
-          <a:ext cx="0" cy="0"/>
-          <a:chOff x="0" y="0"/>
-          <a:chExt cx="0" cy="0"/>
-        </a:xfrm>
-      </p:grpSpPr>
-      <p:sp>
-        <p:nvSpPr>
-          <p:cNvPr id="195" name="Google Shape;195;gb421570802_5_0"/>
-          <p:cNvSpPr txBox="1"/>
-          <p:nvPr>
-            <p:ph type="title"/>
-          </p:nvPr>
-        </p:nvSpPr>
-        <p:spPr>
-          <a:xfrm>
-            <a:off x="838200" y="365125"/>
-            <a:ext cx="10515600" cy="1325700"/>
-          </a:xfrm>
-          <a:prstGeom prst="rect">
-            <a:avLst/>
-          </a:prstGeom>
-        </p:spPr>
-        <p:txBody>
-          <a:bodyPr anchorCtr="0" anchor="ctr" bIns="45700" lIns="91425" spcFirstLastPara="1" rIns="91425" wrap="square" tIns="45700">
-            <a:noAutofit/>
-          </a:bodyPr>
-          <a:lstStyle/>
-          <a:p>
-            <a:pPr indent="0" lvl="0" marL="0" rtl="0" algn="l">
-              <a:spcBef>
-                <a:spcPts val="0"/>
-              </a:spcBef>
-              <a:spcAft>
-                <a:spcPts val="0"/>
-              </a:spcAft>
-              <a:buNone/>
-            </a:pPr>
-            <a:r>
-              <a:rPr lang="en-GB" sz="3000"/>
-              <a:t>Conclusions</a:t>
-            </a:r>
-            <a:endParaRPr sz="3000"/>
-          </a:p>
-        </p:txBody>
-      </p:sp>
-      <p:sp>
-        <p:nvSpPr>
-          <p:cNvPr id="196" name="Google Shape;196;gb421570802_5_0"/>
-          <p:cNvSpPr txBox="1"/>
-          <p:nvPr>
-            <p:ph idx="1" type="body"/>
-          </p:nvPr>
-        </p:nvSpPr>
-        <p:spPr>
-          <a:xfrm>
-            <a:off x="838200" y="1825625"/>
-            <a:ext cx="10515600" cy="4351200"/>
-          </a:xfrm>
-          <a:prstGeom prst="rect">
-            <a:avLst/>
-          </a:prstGeom>
-        </p:spPr>
-        <p:txBody>
-          <a:bodyPr anchorCtr="0" anchor="t" bIns="45700" lIns="91425" spcFirstLastPara="1" rIns="91425" wrap="square" tIns="45700">
-            <a:noAutofit/>
-          </a:bodyPr>
-          <a:lstStyle/>
-          <a:p>
-            <a:pPr indent="-393700" lvl="0" marL="457200" rtl="0" algn="l">
-              <a:spcBef>
-                <a:spcPts val="1000"/>
-              </a:spcBef>
-              <a:spcAft>
-                <a:spcPts val="0"/>
-              </a:spcAft>
-              <a:buClr>
-                <a:srgbClr val="292929"/>
-              </a:buClr>
-              <a:buSzPts val="2600"/>
-              <a:buChar char="➢"/>
-            </a:pPr>
-            <a:r>
-              <a:rPr lang="en-GB" sz="2600">
-                <a:solidFill>
-                  <a:srgbClr val="292929"/>
-                </a:solidFill>
-              </a:rPr>
-              <a:t>Chatbot for Student Services Office at FILS Faculty is a complex system which success is dependent on multiple tasks</a:t>
-            </a:r>
-            <a:endParaRPr sz="2600">
-              <a:solidFill>
-                <a:srgbClr val="292929"/>
-              </a:solidFill>
-            </a:endParaRPr>
-          </a:p>
-          <a:p>
-            <a:pPr indent="-393700" lvl="0" marL="457200" rtl="0" algn="l">
-              <a:spcBef>
-                <a:spcPts val="0"/>
-              </a:spcBef>
-              <a:spcAft>
-                <a:spcPts val="0"/>
-              </a:spcAft>
-              <a:buClr>
-                <a:srgbClr val="292929"/>
-              </a:buClr>
-              <a:buSzPts val="2600"/>
-              <a:buChar char="➢"/>
-            </a:pPr>
-            <a:r>
-              <a:rPr lang="en-GB" sz="2600">
-                <a:solidFill>
-                  <a:srgbClr val="292929"/>
-                </a:solidFill>
-              </a:rPr>
-              <a:t>The planning part is the key part for having a steady and stable implementation</a:t>
-            </a:r>
-            <a:endParaRPr sz="2600">
-              <a:solidFill>
-                <a:srgbClr val="292929"/>
-              </a:solidFill>
-            </a:endParaRPr>
-          </a:p>
-          <a:p>
-            <a:pPr indent="-393700" lvl="0" marL="457200" rtl="0" algn="l">
-              <a:spcBef>
-                <a:spcPts val="0"/>
-              </a:spcBef>
-              <a:spcAft>
-                <a:spcPts val="0"/>
-              </a:spcAft>
-              <a:buClr>
-                <a:srgbClr val="292929"/>
-              </a:buClr>
-              <a:buSzPts val="2600"/>
-              <a:buChar char="➢"/>
-            </a:pPr>
-            <a:r>
-              <a:rPr lang="en-GB" sz="2600"/>
-              <a:t>Two different approaches. </a:t>
-            </a:r>
-            <a:endParaRPr sz="2600"/>
-          </a:p>
-          <a:p>
-            <a:pPr indent="-393700" lvl="1" marL="914400" rtl="0" algn="l">
-              <a:spcBef>
-                <a:spcPts val="0"/>
-              </a:spcBef>
-              <a:spcAft>
-                <a:spcPts val="0"/>
-              </a:spcAft>
-              <a:buClr>
-                <a:srgbClr val="292929"/>
-              </a:buClr>
-              <a:buSzPts val="2600"/>
-              <a:buChar char="○"/>
-            </a:pPr>
-            <a:r>
-              <a:rPr lang="en-GB" sz="2600"/>
-              <a:t>build the whole system from scratch</a:t>
-            </a:r>
-            <a:endParaRPr sz="2600"/>
-          </a:p>
-          <a:p>
-            <a:pPr indent="-393700" lvl="1" marL="914400" rtl="0" algn="l">
-              <a:spcBef>
-                <a:spcPts val="0"/>
-              </a:spcBef>
-              <a:spcAft>
-                <a:spcPts val="0"/>
-              </a:spcAft>
-              <a:buClr>
-                <a:srgbClr val="292929"/>
-              </a:buClr>
-              <a:buSzPts val="2600"/>
-              <a:buChar char="○"/>
-            </a:pPr>
-            <a:r>
-              <a:rPr lang="en-GB" sz="2600"/>
-              <a:t>configuring a web ChatBot and paying a subscription. </a:t>
-            </a:r>
-            <a:endParaRPr sz="2600"/>
-          </a:p>
-          <a:p>
-            <a:pPr indent="-393700" lvl="0" marL="457200" rtl="0" algn="l">
-              <a:spcBef>
-                <a:spcPts val="1000"/>
-              </a:spcBef>
-              <a:spcAft>
-                <a:spcPts val="0"/>
-              </a:spcAft>
-              <a:buSzPts val="2600"/>
-              <a:buChar char="➢"/>
-            </a:pPr>
-            <a:r>
-              <a:rPr lang="en-GB" sz="2600"/>
-              <a:t>There is no doubt that a university should have a web chat bot for the site. A good chat bot can save a lot of time for the university staff but also for the students</a:t>
-            </a:r>
-            <a:endParaRPr sz="2600"/>
-          </a:p>
-          <a:p>
-            <a:pPr indent="0" lvl="0" marL="0" rtl="0" algn="l">
-              <a:spcBef>
-                <a:spcPts val="1000"/>
-              </a:spcBef>
-              <a:spcAft>
-                <a:spcPts val="0"/>
-              </a:spcAft>
-              <a:buNone/>
-            </a:pPr>
-            <a:r>
-              <a:t/>
-            </a:r>
-            <a:endParaRPr sz="2600"/>
-          </a:p>
-          <a:p>
-            <a:pPr indent="0" lvl="0" marL="0" rtl="0" algn="l">
-              <a:spcBef>
-                <a:spcPts val="1000"/>
-              </a:spcBef>
-              <a:spcAft>
-                <a:spcPts val="0"/>
-              </a:spcAft>
-              <a:buNone/>
-            </a:pPr>
-            <a:r>
-              <a:t/>
-            </a:r>
-            <a:endParaRPr sz="2600"/>
           </a:p>
         </p:txBody>
       </p:sp>
@@ -14410,7 +13905,259 @@
       </p:grpSpPr>
       <p:sp>
         <p:nvSpPr>
-          <p:cNvPr id="201" name="Google Shape;201;gb421570802_4_27"/>
+          <p:cNvPr id="201" name="Google Shape;201;gb421570802_5_0"/>
+          <p:cNvSpPr txBox="1"/>
+          <p:nvPr>
+            <p:ph type="title"/>
+          </p:nvPr>
+        </p:nvSpPr>
+        <p:spPr>
+          <a:xfrm>
+            <a:off x="838200" y="365125"/>
+            <a:ext cx="10515600" cy="1325700"/>
+          </a:xfrm>
+          <a:prstGeom prst="rect">
+            <a:avLst/>
+          </a:prstGeom>
+        </p:spPr>
+        <p:txBody>
+          <a:bodyPr anchorCtr="0" anchor="ctr" bIns="45700" lIns="91425" spcFirstLastPara="1" rIns="91425" wrap="square" tIns="45700">
+            <a:noAutofit/>
+          </a:bodyPr>
+          <a:lstStyle/>
+          <a:p>
+            <a:pPr indent="0" lvl="0" marL="0" rtl="0" algn="l">
+              <a:spcBef>
+                <a:spcPts val="0"/>
+              </a:spcBef>
+              <a:spcAft>
+                <a:spcPts val="0"/>
+              </a:spcAft>
+              <a:buNone/>
+            </a:pPr>
+            <a:r>
+              <a:rPr lang="en-GB" sz="3000"/>
+              <a:t>Conclusions</a:t>
+            </a:r>
+            <a:endParaRPr sz="3000"/>
+          </a:p>
+        </p:txBody>
+      </p:sp>
+      <p:sp>
+        <p:nvSpPr>
+          <p:cNvPr id="202" name="Google Shape;202;gb421570802_5_0"/>
+          <p:cNvSpPr txBox="1"/>
+          <p:nvPr>
+            <p:ph idx="1" type="body"/>
+          </p:nvPr>
+        </p:nvSpPr>
+        <p:spPr>
+          <a:xfrm>
+            <a:off x="838200" y="1825625"/>
+            <a:ext cx="10515600" cy="4351200"/>
+          </a:xfrm>
+          <a:prstGeom prst="rect">
+            <a:avLst/>
+          </a:prstGeom>
+        </p:spPr>
+        <p:txBody>
+          <a:bodyPr anchorCtr="0" anchor="t" bIns="45700" lIns="91425" spcFirstLastPara="1" rIns="91425" wrap="square" tIns="45700">
+            <a:noAutofit/>
+          </a:bodyPr>
+          <a:lstStyle/>
+          <a:p>
+            <a:pPr indent="-393700" lvl="0" marL="457200" rtl="0" algn="l">
+              <a:spcBef>
+                <a:spcPts val="1000"/>
+              </a:spcBef>
+              <a:spcAft>
+                <a:spcPts val="0"/>
+              </a:spcAft>
+              <a:buClr>
+                <a:srgbClr val="292929"/>
+              </a:buClr>
+              <a:buSzPts val="2600"/>
+              <a:buChar char="➢"/>
+            </a:pPr>
+            <a:r>
+              <a:rPr lang="en-GB" sz="2600">
+                <a:solidFill>
+                  <a:srgbClr val="292929"/>
+                </a:solidFill>
+              </a:rPr>
+              <a:t>Chatbot for Student Services Office at FILS Faculty is a complex system which success is dependent on multiple tasks</a:t>
+            </a:r>
+            <a:endParaRPr sz="2600">
+              <a:solidFill>
+                <a:srgbClr val="292929"/>
+              </a:solidFill>
+            </a:endParaRPr>
+          </a:p>
+          <a:p>
+            <a:pPr indent="-393700" lvl="0" marL="457200" rtl="0" algn="l">
+              <a:spcBef>
+                <a:spcPts val="0"/>
+              </a:spcBef>
+              <a:spcAft>
+                <a:spcPts val="0"/>
+              </a:spcAft>
+              <a:buClr>
+                <a:srgbClr val="292929"/>
+              </a:buClr>
+              <a:buSzPts val="2600"/>
+              <a:buChar char="➢"/>
+            </a:pPr>
+            <a:r>
+              <a:rPr lang="en-GB" sz="2600">
+                <a:solidFill>
+                  <a:srgbClr val="292929"/>
+                </a:solidFill>
+              </a:rPr>
+              <a:t>The planning part is the key part for having a steady and stable implementation</a:t>
+            </a:r>
+            <a:endParaRPr sz="2600">
+              <a:solidFill>
+                <a:srgbClr val="292929"/>
+              </a:solidFill>
+            </a:endParaRPr>
+          </a:p>
+          <a:p>
+            <a:pPr indent="-393700" lvl="0" marL="457200" rtl="0" algn="l">
+              <a:spcBef>
+                <a:spcPts val="0"/>
+              </a:spcBef>
+              <a:spcAft>
+                <a:spcPts val="0"/>
+              </a:spcAft>
+              <a:buClr>
+                <a:srgbClr val="292929"/>
+              </a:buClr>
+              <a:buSzPts val="2600"/>
+              <a:buChar char="➢"/>
+            </a:pPr>
+            <a:r>
+              <a:rPr lang="en-GB" sz="2600"/>
+              <a:t>Two different approaches. </a:t>
+            </a:r>
+            <a:endParaRPr sz="2600"/>
+          </a:p>
+          <a:p>
+            <a:pPr indent="-393700" lvl="1" marL="914400" rtl="0" algn="l">
+              <a:spcBef>
+                <a:spcPts val="0"/>
+              </a:spcBef>
+              <a:spcAft>
+                <a:spcPts val="0"/>
+              </a:spcAft>
+              <a:buClr>
+                <a:srgbClr val="292929"/>
+              </a:buClr>
+              <a:buSzPts val="2600"/>
+              <a:buChar char="○"/>
+            </a:pPr>
+            <a:r>
+              <a:rPr lang="en-GB" sz="2600"/>
+              <a:t>build the whole system from scratch</a:t>
+            </a:r>
+            <a:endParaRPr sz="2600"/>
+          </a:p>
+          <a:p>
+            <a:pPr indent="-393700" lvl="1" marL="914400" rtl="0" algn="l">
+              <a:spcBef>
+                <a:spcPts val="0"/>
+              </a:spcBef>
+              <a:spcAft>
+                <a:spcPts val="0"/>
+              </a:spcAft>
+              <a:buClr>
+                <a:srgbClr val="292929"/>
+              </a:buClr>
+              <a:buSzPts val="2600"/>
+              <a:buChar char="○"/>
+            </a:pPr>
+            <a:r>
+              <a:rPr lang="en-GB" sz="2600"/>
+              <a:t>configuring a web ChatBot and paying a subscription. </a:t>
+            </a:r>
+            <a:endParaRPr sz="2600"/>
+          </a:p>
+          <a:p>
+            <a:pPr indent="-393700" lvl="0" marL="457200" rtl="0" algn="l">
+              <a:spcBef>
+                <a:spcPts val="1000"/>
+              </a:spcBef>
+              <a:spcAft>
+                <a:spcPts val="0"/>
+              </a:spcAft>
+              <a:buSzPts val="2600"/>
+              <a:buChar char="➢"/>
+            </a:pPr>
+            <a:r>
+              <a:rPr lang="en-GB" sz="2600"/>
+              <a:t>There is no doubt that a university should have a web chat bot for the site. A good chat bot can save a lot of time for the university staff but also for the students</a:t>
+            </a:r>
+            <a:endParaRPr sz="2600"/>
+          </a:p>
+          <a:p>
+            <a:pPr indent="0" lvl="0" marL="0" rtl="0" algn="l">
+              <a:spcBef>
+                <a:spcPts val="1000"/>
+              </a:spcBef>
+              <a:spcAft>
+                <a:spcPts val="0"/>
+              </a:spcAft>
+              <a:buNone/>
+            </a:pPr>
+            <a:r>
+              <a:t/>
+            </a:r>
+            <a:endParaRPr sz="2600"/>
+          </a:p>
+          <a:p>
+            <a:pPr indent="0" lvl="0" marL="0" rtl="0" algn="l">
+              <a:spcBef>
+                <a:spcPts val="1000"/>
+              </a:spcBef>
+              <a:spcAft>
+                <a:spcPts val="0"/>
+              </a:spcAft>
+              <a:buNone/>
+            </a:pPr>
+            <a:r>
+              <a:t/>
+            </a:r>
+            <a:endParaRPr sz="2600"/>
+          </a:p>
+        </p:txBody>
+      </p:sp>
+    </p:spTree>
+  </p:cSld>
+  <p:clrMapOvr>
+    <a:masterClrMapping/>
+  </p:clrMapOvr>
+</p:sld>
+</file>
+
+<file path=ppt/slides/slide16.xml><?xml version="1.0" encoding="utf-8"?>
+<p:sld xmlns:a="http://schemas.openxmlformats.org/drawingml/2006/main" xmlns:r="http://schemas.openxmlformats.org/officeDocument/2006/relationships" xmlns:mc="http://schemas.openxmlformats.org/markup-compatibility/2006" xmlns:mv="urn:schemas-microsoft-com:mac:vml" xmlns:p="http://schemas.openxmlformats.org/presentationml/2006/main" xmlns:c="http://schemas.openxmlformats.org/drawingml/2006/chart" xmlns:dgm="http://schemas.openxmlformats.org/drawingml/2006/diagram" xmlns:o="urn:schemas-microsoft-com:office:office" xmlns:v="urn:schemas-microsoft-com:vml" xmlns:pvml="urn:schemas-microsoft-com:office:powerpoint" xmlns:com="http://schemas.openxmlformats.org/drawingml/2006/compatibility" xmlns:p14="http://schemas.microsoft.com/office/powerpoint/2010/main" xmlns:p15="http://schemas.microsoft.com/office/powerpoint/2012/main" xmlns:ahyp="http://schemas.microsoft.com/office/drawing/2018/hyperlinkcolor">
+  <p:cSld>
+    <p:spTree>
+      <p:nvGrpSpPr>
+        <p:cNvPr id="206" name="Shape 206"/>
+        <p:cNvGrpSpPr/>
+        <p:nvPr/>
+      </p:nvGrpSpPr>
+      <p:grpSpPr>
+        <a:xfrm>
+          <a:off x="0" y="0"/>
+          <a:ext cx="0" cy="0"/>
+          <a:chOff x="0" y="0"/>
+          <a:chExt cx="0" cy="0"/>
+        </a:xfrm>
+      </p:grpSpPr>
+      <p:sp>
+        <p:nvSpPr>
+          <p:cNvPr id="207" name="Google Shape;207;gb421570802_4_27"/>
           <p:cNvSpPr txBox="1"/>
           <p:nvPr>
             <p:ph type="title"/>
@@ -14461,7 +14208,7 @@
   <p:cSld>
     <p:spTree>
       <p:nvGrpSpPr>
-        <p:cNvPr id="100" name="Shape 100"/>
+        <p:cNvPr id="89" name="Shape 89"/>
         <p:cNvGrpSpPr/>
         <p:nvPr/>
       </p:nvGrpSpPr>
@@ -14475,7 +14222,695 @@
       </p:grpSpPr>
       <p:pic>
         <p:nvPicPr>
-          <p:cNvPr descr="Straight Face Clip Art Black And White - Straight Arrow Png - Free  Transparent PNG Clipart Images Download" id="101" name="Google Shape;101;p2"/>
+          <p:cNvPr id="90" name="Google Shape;90;p1"/>
+          <p:cNvPicPr preferRelativeResize="0"/>
+          <p:nvPr/>
+        </p:nvPicPr>
+        <p:blipFill rotWithShape="1">
+          <a:blip r:embed="rId3">
+            <a:alphaModFix/>
+          </a:blip>
+          <a:srcRect b="14110" l="0" r="2452" t="16644"/>
+          <a:stretch/>
+        </p:blipFill>
+        <p:spPr>
+          <a:xfrm>
+            <a:off x="3657923" y="1562494"/>
+            <a:ext cx="4876154" cy="2432114"/>
+          </a:xfrm>
+          <a:prstGeom prst="rect">
+            <a:avLst/>
+          </a:prstGeom>
+          <a:noFill/>
+          <a:ln>
+            <a:noFill/>
+          </a:ln>
+        </p:spPr>
+      </p:pic>
+      <p:sp>
+        <p:nvSpPr>
+          <p:cNvPr id="91" name="Google Shape;91;p1"/>
+          <p:cNvSpPr txBox="1"/>
+          <p:nvPr/>
+        </p:nvSpPr>
+        <p:spPr>
+          <a:xfrm>
+            <a:off x="610982" y="2328747"/>
+            <a:ext cx="2484013" cy="630942"/>
+          </a:xfrm>
+          <a:prstGeom prst="rect">
+            <a:avLst/>
+          </a:prstGeom>
+          <a:noFill/>
+          <a:ln>
+            <a:noFill/>
+          </a:ln>
+        </p:spPr>
+        <p:txBody>
+          <a:bodyPr anchorCtr="0" anchor="t" bIns="45700" lIns="91425" spcFirstLastPara="1" rIns="91425" wrap="square" tIns="45700">
+            <a:spAutoFit/>
+          </a:bodyPr>
+          <a:lstStyle/>
+          <a:p>
+            <a:pPr indent="0" lvl="0" marL="0" marR="0" rtl="0" algn="l">
+              <a:spcBef>
+                <a:spcPts val="0"/>
+              </a:spcBef>
+              <a:spcAft>
+                <a:spcPts val="0"/>
+              </a:spcAft>
+              <a:buNone/>
+            </a:pPr>
+            <a:r>
+              <a:rPr b="0" i="0" lang="en-GB" sz="3500" u="none" cap="none" strike="noStrike">
+                <a:solidFill>
+                  <a:schemeClr val="dk1"/>
+                </a:solidFill>
+                <a:latin typeface="Calibri"/>
+                <a:ea typeface="Calibri"/>
+                <a:cs typeface="Calibri"/>
+                <a:sym typeface="Calibri"/>
+              </a:rPr>
+              <a:t>UPB Student</a:t>
+            </a:r>
+            <a:endParaRPr sz="3500">
+              <a:solidFill>
+                <a:schemeClr val="dk1"/>
+              </a:solidFill>
+              <a:latin typeface="Calibri"/>
+              <a:ea typeface="Calibri"/>
+              <a:cs typeface="Calibri"/>
+              <a:sym typeface="Calibri"/>
+            </a:endParaRPr>
+          </a:p>
+        </p:txBody>
+      </p:sp>
+      <p:sp>
+        <p:nvSpPr>
+          <p:cNvPr id="92" name="Google Shape;92;p1"/>
+          <p:cNvSpPr txBox="1"/>
+          <p:nvPr/>
+        </p:nvSpPr>
+        <p:spPr>
+          <a:xfrm>
+            <a:off x="8945358" y="2309851"/>
+            <a:ext cx="2798651" cy="630942"/>
+          </a:xfrm>
+          <a:prstGeom prst="rect">
+            <a:avLst/>
+          </a:prstGeom>
+          <a:noFill/>
+          <a:ln>
+            <a:noFill/>
+          </a:ln>
+        </p:spPr>
+        <p:txBody>
+          <a:bodyPr anchorCtr="0" anchor="t" bIns="45700" lIns="91425" spcFirstLastPara="1" rIns="91425" wrap="square" tIns="45700">
+            <a:spAutoFit/>
+          </a:bodyPr>
+          <a:lstStyle/>
+          <a:p>
+            <a:pPr indent="0" lvl="0" marL="0" marR="0" rtl="0" algn="l">
+              <a:spcBef>
+                <a:spcPts val="0"/>
+              </a:spcBef>
+              <a:spcAft>
+                <a:spcPts val="0"/>
+              </a:spcAft>
+              <a:buNone/>
+            </a:pPr>
+            <a:r>
+              <a:rPr lang="en-GB" sz="3500">
+                <a:solidFill>
+                  <a:schemeClr val="dk1"/>
+                </a:solidFill>
+                <a:latin typeface="Calibri"/>
+                <a:ea typeface="Calibri"/>
+                <a:cs typeface="Calibri"/>
+                <a:sym typeface="Calibri"/>
+              </a:rPr>
+              <a:t>Student Office</a:t>
+            </a:r>
+            <a:endParaRPr sz="3500">
+              <a:solidFill>
+                <a:schemeClr val="dk1"/>
+              </a:solidFill>
+              <a:latin typeface="Calibri"/>
+              <a:ea typeface="Calibri"/>
+              <a:cs typeface="Calibri"/>
+              <a:sym typeface="Calibri"/>
+            </a:endParaRPr>
+          </a:p>
+        </p:txBody>
+      </p:sp>
+      <p:sp>
+        <p:nvSpPr>
+          <p:cNvPr id="93" name="Google Shape;93;p1"/>
+          <p:cNvSpPr txBox="1"/>
+          <p:nvPr/>
+        </p:nvSpPr>
+        <p:spPr>
+          <a:xfrm rot="-1388421">
+            <a:off x="3811388" y="1497585"/>
+            <a:ext cx="1862004" cy="477054"/>
+          </a:xfrm>
+          <a:prstGeom prst="rect">
+            <a:avLst/>
+          </a:prstGeom>
+          <a:noFill/>
+          <a:ln>
+            <a:noFill/>
+          </a:ln>
+        </p:spPr>
+        <p:txBody>
+          <a:bodyPr anchorCtr="0" anchor="t" bIns="45700" lIns="91425" spcFirstLastPara="1" rIns="91425" wrap="square" tIns="45700">
+            <a:spAutoFit/>
+          </a:bodyPr>
+          <a:lstStyle/>
+          <a:p>
+            <a:pPr indent="0" lvl="0" marL="0" marR="0" rtl="0" algn="l">
+              <a:spcBef>
+                <a:spcPts val="0"/>
+              </a:spcBef>
+              <a:spcAft>
+                <a:spcPts val="0"/>
+              </a:spcAft>
+              <a:buNone/>
+            </a:pPr>
+            <a:r>
+              <a:rPr lang="en-GB" sz="2500">
+                <a:solidFill>
+                  <a:schemeClr val="dk1"/>
+                </a:solidFill>
+                <a:latin typeface="Calibri"/>
+                <a:ea typeface="Calibri"/>
+                <a:cs typeface="Calibri"/>
+                <a:sym typeface="Calibri"/>
+              </a:rPr>
+              <a:t>Waiting time</a:t>
+            </a:r>
+            <a:endParaRPr/>
+          </a:p>
+        </p:txBody>
+      </p:sp>
+      <p:sp>
+        <p:nvSpPr>
+          <p:cNvPr id="94" name="Google Shape;94;p1"/>
+          <p:cNvSpPr/>
+          <p:nvPr/>
+        </p:nvSpPr>
+        <p:spPr>
+          <a:xfrm>
+            <a:off x="249754" y="2116831"/>
+            <a:ext cx="3111174" cy="1144843"/>
+          </a:xfrm>
+          <a:prstGeom prst="ellipse">
+            <a:avLst/>
+          </a:prstGeom>
+          <a:noFill/>
+          <a:ln cap="flat" cmpd="sng" w="28575">
+            <a:solidFill>
+              <a:srgbClr val="31538F"/>
+            </a:solidFill>
+            <a:prstDash val="solid"/>
+            <a:miter lim="800000"/>
+            <a:headEnd len="sm" w="sm" type="none"/>
+            <a:tailEnd len="sm" w="sm" type="none"/>
+          </a:ln>
+        </p:spPr>
+        <p:txBody>
+          <a:bodyPr anchorCtr="0" anchor="ctr" bIns="45700" lIns="91425" spcFirstLastPara="1" rIns="91425" wrap="square" tIns="45700">
+            <a:noAutofit/>
+          </a:bodyPr>
+          <a:lstStyle/>
+          <a:p>
+            <a:pPr indent="0" lvl="0" marL="0" marR="0" rtl="0" algn="ctr">
+              <a:spcBef>
+                <a:spcPts val="0"/>
+              </a:spcBef>
+              <a:spcAft>
+                <a:spcPts val="0"/>
+              </a:spcAft>
+              <a:buNone/>
+            </a:pPr>
+            <a:r>
+              <a:t/>
+            </a:r>
+            <a:endParaRPr sz="1800">
+              <a:solidFill>
+                <a:schemeClr val="lt1"/>
+              </a:solidFill>
+              <a:latin typeface="Calibri"/>
+              <a:ea typeface="Calibri"/>
+              <a:cs typeface="Calibri"/>
+              <a:sym typeface="Calibri"/>
+            </a:endParaRPr>
+          </a:p>
+        </p:txBody>
+      </p:sp>
+      <p:sp>
+        <p:nvSpPr>
+          <p:cNvPr id="95" name="Google Shape;95;p1"/>
+          <p:cNvSpPr/>
+          <p:nvPr/>
+        </p:nvSpPr>
+        <p:spPr>
+          <a:xfrm>
+            <a:off x="8520665" y="2007909"/>
+            <a:ext cx="3374992" cy="1304818"/>
+          </a:xfrm>
+          <a:prstGeom prst="ellipse">
+            <a:avLst/>
+          </a:prstGeom>
+          <a:noFill/>
+          <a:ln cap="flat" cmpd="sng" w="28575">
+            <a:solidFill>
+              <a:srgbClr val="31538F"/>
+            </a:solidFill>
+            <a:prstDash val="solid"/>
+            <a:miter lim="800000"/>
+            <a:headEnd len="sm" w="sm" type="none"/>
+            <a:tailEnd len="sm" w="sm" type="none"/>
+          </a:ln>
+        </p:spPr>
+        <p:txBody>
+          <a:bodyPr anchorCtr="0" anchor="ctr" bIns="45700" lIns="91425" spcFirstLastPara="1" rIns="91425" wrap="square" tIns="45700">
+            <a:noAutofit/>
+          </a:bodyPr>
+          <a:lstStyle/>
+          <a:p>
+            <a:pPr indent="0" lvl="0" marL="0" marR="0" rtl="0" algn="ctr">
+              <a:spcBef>
+                <a:spcPts val="0"/>
+              </a:spcBef>
+              <a:spcAft>
+                <a:spcPts val="0"/>
+              </a:spcAft>
+              <a:buNone/>
+            </a:pPr>
+            <a:r>
+              <a:t/>
+            </a:r>
+            <a:endParaRPr sz="1800">
+              <a:solidFill>
+                <a:schemeClr val="lt1"/>
+              </a:solidFill>
+              <a:latin typeface="Calibri"/>
+              <a:ea typeface="Calibri"/>
+              <a:cs typeface="Calibri"/>
+              <a:sym typeface="Calibri"/>
+            </a:endParaRPr>
+          </a:p>
+        </p:txBody>
+      </p:sp>
+      <p:sp>
+        <p:nvSpPr>
+          <p:cNvPr id="96" name="Google Shape;96;p1"/>
+          <p:cNvSpPr txBox="1"/>
+          <p:nvPr/>
+        </p:nvSpPr>
+        <p:spPr>
+          <a:xfrm rot="1200118">
+            <a:off x="5894641" y="1657263"/>
+            <a:ext cx="2910525" cy="446276"/>
+          </a:xfrm>
+          <a:prstGeom prst="rect">
+            <a:avLst/>
+          </a:prstGeom>
+          <a:noFill/>
+          <a:ln>
+            <a:noFill/>
+          </a:ln>
+        </p:spPr>
+        <p:txBody>
+          <a:bodyPr anchorCtr="0" anchor="t" bIns="45700" lIns="91425" spcFirstLastPara="1" rIns="91425" wrap="square" tIns="45700">
+            <a:spAutoFit/>
+          </a:bodyPr>
+          <a:lstStyle/>
+          <a:p>
+            <a:pPr indent="0" lvl="0" marL="0" marR="0" rtl="0" algn="l">
+              <a:spcBef>
+                <a:spcPts val="0"/>
+              </a:spcBef>
+              <a:spcAft>
+                <a:spcPts val="0"/>
+              </a:spcAft>
+              <a:buNone/>
+            </a:pPr>
+            <a:r>
+              <a:rPr lang="en-GB" sz="2300">
+                <a:solidFill>
+                  <a:schemeClr val="dk1"/>
+                </a:solidFill>
+                <a:latin typeface="Calibri"/>
+                <a:ea typeface="Calibri"/>
+                <a:cs typeface="Calibri"/>
+                <a:sym typeface="Calibri"/>
+              </a:rPr>
+              <a:t>Rules &amp; procedures</a:t>
+            </a:r>
+            <a:endParaRPr/>
+          </a:p>
+        </p:txBody>
+      </p:sp>
+      <p:sp>
+        <p:nvSpPr>
+          <p:cNvPr id="97" name="Google Shape;97;p1"/>
+          <p:cNvSpPr txBox="1"/>
+          <p:nvPr/>
+        </p:nvSpPr>
+        <p:spPr>
+          <a:xfrm rot="1097663">
+            <a:off x="3362638" y="3569096"/>
+            <a:ext cx="2712521" cy="477054"/>
+          </a:xfrm>
+          <a:prstGeom prst="rect">
+            <a:avLst/>
+          </a:prstGeom>
+          <a:noFill/>
+          <a:ln>
+            <a:noFill/>
+          </a:ln>
+        </p:spPr>
+        <p:txBody>
+          <a:bodyPr anchorCtr="0" anchor="t" bIns="45700" lIns="91425" spcFirstLastPara="1" rIns="91425" wrap="square" tIns="45700">
+            <a:spAutoFit/>
+          </a:bodyPr>
+          <a:lstStyle/>
+          <a:p>
+            <a:pPr indent="0" lvl="0" marL="0" marR="0" rtl="0" algn="l">
+              <a:spcBef>
+                <a:spcPts val="0"/>
+              </a:spcBef>
+              <a:spcAft>
+                <a:spcPts val="0"/>
+              </a:spcAft>
+              <a:buNone/>
+            </a:pPr>
+            <a:r>
+              <a:rPr lang="en-GB" sz="2500">
+                <a:solidFill>
+                  <a:schemeClr val="dk1"/>
+                </a:solidFill>
+                <a:latin typeface="Calibri"/>
+                <a:ea typeface="Calibri"/>
+                <a:cs typeface="Calibri"/>
+                <a:sym typeface="Calibri"/>
+              </a:rPr>
+              <a:t>Paperwork-centric </a:t>
+            </a:r>
+            <a:endParaRPr/>
+          </a:p>
+        </p:txBody>
+      </p:sp>
+      <p:sp>
+        <p:nvSpPr>
+          <p:cNvPr id="98" name="Google Shape;98;p1"/>
+          <p:cNvSpPr txBox="1"/>
+          <p:nvPr/>
+        </p:nvSpPr>
+        <p:spPr>
+          <a:xfrm rot="-1133380">
+            <a:off x="6050506" y="3445192"/>
+            <a:ext cx="3648041" cy="415498"/>
+          </a:xfrm>
+          <a:prstGeom prst="rect">
+            <a:avLst/>
+          </a:prstGeom>
+          <a:noFill/>
+          <a:ln>
+            <a:noFill/>
+          </a:ln>
+        </p:spPr>
+        <p:txBody>
+          <a:bodyPr anchorCtr="0" anchor="t" bIns="45700" lIns="91425" spcFirstLastPara="1" rIns="91425" wrap="square" tIns="45700">
+            <a:spAutoFit/>
+          </a:bodyPr>
+          <a:lstStyle/>
+          <a:p>
+            <a:pPr indent="0" lvl="0" marL="0" marR="0" rtl="0" algn="l">
+              <a:spcBef>
+                <a:spcPts val="0"/>
+              </a:spcBef>
+              <a:spcAft>
+                <a:spcPts val="0"/>
+              </a:spcAft>
+              <a:buNone/>
+            </a:pPr>
+            <a:r>
+              <a:rPr lang="en-GB" sz="2100">
+                <a:solidFill>
+                  <a:schemeClr val="dk1"/>
+                </a:solidFill>
+                <a:latin typeface="Calibri"/>
+                <a:ea typeface="Calibri"/>
+                <a:cs typeface="Calibri"/>
+                <a:sym typeface="Calibri"/>
+              </a:rPr>
+              <a:t>Lack of communication</a:t>
+            </a:r>
+            <a:endParaRPr/>
+          </a:p>
+        </p:txBody>
+      </p:sp>
+      <p:pic>
+        <p:nvPicPr>
+          <p:cNvPr descr="problem – UX Fundamentals" id="99" name="Google Shape;99;p1"/>
+          <p:cNvPicPr preferRelativeResize="0"/>
+          <p:nvPr/>
+        </p:nvPicPr>
+        <p:blipFill rotWithShape="1">
+          <a:blip r:embed="rId4">
+            <a:alphaModFix/>
+          </a:blip>
+          <a:srcRect b="0" l="0" r="0" t="0"/>
+          <a:stretch/>
+        </p:blipFill>
+        <p:spPr>
+          <a:xfrm>
+            <a:off x="86003" y="29442"/>
+            <a:ext cx="1997320" cy="1997320"/>
+          </a:xfrm>
+          <a:prstGeom prst="rect">
+            <a:avLst/>
+          </a:prstGeom>
+          <a:noFill/>
+          <a:ln>
+            <a:noFill/>
+          </a:ln>
+        </p:spPr>
+      </p:pic>
+      <p:sp>
+        <p:nvSpPr>
+          <p:cNvPr id="100" name="Google Shape;100;p1"/>
+          <p:cNvSpPr/>
+          <p:nvPr/>
+        </p:nvSpPr>
+        <p:spPr>
+          <a:xfrm>
+            <a:off x="385440" y="4817227"/>
+            <a:ext cx="1786066" cy="923330"/>
+          </a:xfrm>
+          <a:prstGeom prst="rect">
+            <a:avLst/>
+          </a:prstGeom>
+          <a:noFill/>
+          <a:ln>
+            <a:noFill/>
+          </a:ln>
+        </p:spPr>
+        <p:txBody>
+          <a:bodyPr anchorCtr="0" anchor="t" bIns="45700" lIns="91425" spcFirstLastPara="1" rIns="91425" wrap="square" tIns="45700">
+            <a:spAutoFit/>
+          </a:bodyPr>
+          <a:lstStyle/>
+          <a:p>
+            <a:pPr indent="0" lvl="0" marL="0" marR="0" rtl="0" algn="ctr">
+              <a:spcBef>
+                <a:spcPts val="0"/>
+              </a:spcBef>
+              <a:spcAft>
+                <a:spcPts val="0"/>
+              </a:spcAft>
+              <a:buNone/>
+            </a:pPr>
+            <a:r>
+              <a:rPr b="0" lang="en-GB" sz="5400" cap="none">
+                <a:solidFill>
+                  <a:schemeClr val="dk1"/>
+                </a:solidFill>
+                <a:latin typeface="Calibri"/>
+                <a:ea typeface="Calibri"/>
+                <a:cs typeface="Calibri"/>
+                <a:sym typeface="Calibri"/>
+              </a:rPr>
+              <a:t>Why?</a:t>
+            </a:r>
+            <a:endParaRPr/>
+          </a:p>
+        </p:txBody>
+      </p:sp>
+      <p:sp>
+        <p:nvSpPr>
+          <p:cNvPr id="101" name="Google Shape;101;p1"/>
+          <p:cNvSpPr txBox="1"/>
+          <p:nvPr/>
+        </p:nvSpPr>
+        <p:spPr>
+          <a:xfrm>
+            <a:off x="3403252" y="4905655"/>
+            <a:ext cx="5728195" cy="1508105"/>
+          </a:xfrm>
+          <a:prstGeom prst="rect">
+            <a:avLst/>
+          </a:prstGeom>
+          <a:noFill/>
+          <a:ln>
+            <a:noFill/>
+          </a:ln>
+        </p:spPr>
+        <p:txBody>
+          <a:bodyPr anchorCtr="0" anchor="t" bIns="45700" lIns="91425" spcFirstLastPara="1" rIns="91425" wrap="square" tIns="45700">
+            <a:spAutoFit/>
+          </a:bodyPr>
+          <a:lstStyle/>
+          <a:p>
+            <a:pPr indent="0" lvl="0" marL="0" marR="0" rtl="0" algn="ctr">
+              <a:spcBef>
+                <a:spcPts val="0"/>
+              </a:spcBef>
+              <a:spcAft>
+                <a:spcPts val="0"/>
+              </a:spcAft>
+              <a:buNone/>
+            </a:pPr>
+            <a:r>
+              <a:rPr lang="en-GB" sz="2300">
+                <a:solidFill>
+                  <a:srgbClr val="292929"/>
+                </a:solidFill>
+                <a:latin typeface="Calibri"/>
+                <a:ea typeface="Calibri"/>
+                <a:cs typeface="Calibri"/>
+                <a:sym typeface="Calibri"/>
+              </a:rPr>
+              <a:t>Digitalization of educational institution</a:t>
+            </a:r>
+            <a:endParaRPr/>
+          </a:p>
+          <a:p>
+            <a:pPr indent="0" lvl="0" marL="0" marR="0" rtl="0" algn="ctr">
+              <a:spcBef>
+                <a:spcPts val="0"/>
+              </a:spcBef>
+              <a:spcAft>
+                <a:spcPts val="0"/>
+              </a:spcAft>
+              <a:buNone/>
+            </a:pPr>
+            <a:r>
+              <a:rPr lang="en-GB" sz="2300">
+                <a:solidFill>
+                  <a:srgbClr val="292929"/>
+                </a:solidFill>
+                <a:latin typeface="Calibri"/>
+                <a:ea typeface="Calibri"/>
+                <a:cs typeface="Calibri"/>
+                <a:sym typeface="Calibri"/>
+              </a:rPr>
+              <a:t> = </a:t>
+            </a:r>
+            <a:endParaRPr/>
+          </a:p>
+          <a:p>
+            <a:pPr indent="0" lvl="0" marL="0" marR="0" rtl="0" algn="ctr">
+              <a:spcBef>
+                <a:spcPts val="0"/>
+              </a:spcBef>
+              <a:spcAft>
+                <a:spcPts val="0"/>
+              </a:spcAft>
+              <a:buNone/>
+            </a:pPr>
+            <a:r>
+              <a:rPr lang="en-GB" sz="2300">
+                <a:solidFill>
+                  <a:srgbClr val="292929"/>
+                </a:solidFill>
+                <a:latin typeface="Calibri"/>
+                <a:ea typeface="Calibri"/>
+                <a:cs typeface="Calibri"/>
+                <a:sym typeface="Calibri"/>
+              </a:rPr>
+              <a:t>essential global trend in terms of reformation and modernization </a:t>
+            </a:r>
+            <a:endParaRPr sz="2300">
+              <a:solidFill>
+                <a:schemeClr val="dk1"/>
+              </a:solidFill>
+              <a:latin typeface="Calibri"/>
+              <a:ea typeface="Calibri"/>
+              <a:cs typeface="Calibri"/>
+              <a:sym typeface="Calibri"/>
+            </a:endParaRPr>
+          </a:p>
+        </p:txBody>
+      </p:sp>
+      <p:pic>
+        <p:nvPicPr>
+          <p:cNvPr descr="John Flannery: GE's Long Digital Game | GE News" id="102" name="Google Shape;102;p1"/>
+          <p:cNvPicPr preferRelativeResize="0"/>
+          <p:nvPr/>
+        </p:nvPicPr>
+        <p:blipFill rotWithShape="1">
+          <a:blip r:embed="rId5">
+            <a:alphaModFix/>
+          </a:blip>
+          <a:srcRect b="0" l="0" r="0" t="0"/>
+          <a:stretch/>
+        </p:blipFill>
+        <p:spPr>
+          <a:xfrm>
+            <a:off x="9070980" y="3994608"/>
+            <a:ext cx="3004986" cy="2568568"/>
+          </a:xfrm>
+          <a:prstGeom prst="rect">
+            <a:avLst/>
+          </a:prstGeom>
+          <a:noFill/>
+          <a:ln>
+            <a:noFill/>
+          </a:ln>
+        </p:spPr>
+      </p:pic>
+    </p:spTree>
+  </p:cSld>
+  <p:clrMapOvr>
+    <a:masterClrMapping/>
+  </p:clrMapOvr>
+</p:sld>
+</file>
+
+<file path=ppt/slides/slide3.xml><?xml version="1.0" encoding="utf-8"?>
+<p:sld xmlns:a="http://schemas.openxmlformats.org/drawingml/2006/main" xmlns:r="http://schemas.openxmlformats.org/officeDocument/2006/relationships" xmlns:mc="http://schemas.openxmlformats.org/markup-compatibility/2006" xmlns:mv="urn:schemas-microsoft-com:mac:vml" xmlns:p="http://schemas.openxmlformats.org/presentationml/2006/main" xmlns:c="http://schemas.openxmlformats.org/drawingml/2006/chart" xmlns:dgm="http://schemas.openxmlformats.org/drawingml/2006/diagram" xmlns:o="urn:schemas-microsoft-com:office:office" xmlns:v="urn:schemas-microsoft-com:vml" xmlns:pvml="urn:schemas-microsoft-com:office:powerpoint" xmlns:com="http://schemas.openxmlformats.org/drawingml/2006/compatibility" xmlns:p14="http://schemas.microsoft.com/office/powerpoint/2010/main" xmlns:p15="http://schemas.microsoft.com/office/powerpoint/2012/main" xmlns:ahyp="http://schemas.microsoft.com/office/drawing/2018/hyperlinkcolor">
+  <p:cSld>
+    <p:spTree>
+      <p:nvGrpSpPr>
+        <p:cNvPr id="106" name="Shape 106"/>
+        <p:cNvGrpSpPr/>
+        <p:nvPr/>
+      </p:nvGrpSpPr>
+      <p:grpSpPr>
+        <a:xfrm>
+          <a:off x="0" y="0"/>
+          <a:ext cx="0" cy="0"/>
+          <a:chOff x="0" y="0"/>
+          <a:chExt cx="0" cy="0"/>
+        </a:xfrm>
+      </p:grpSpPr>
+      <p:pic>
+        <p:nvPicPr>
+          <p:cNvPr descr="Straight Face Clip Art Black And White - Straight Arrow Png - Free  Transparent PNG Clipart Images Download" id="107" name="Google Shape;107;p2"/>
           <p:cNvPicPr preferRelativeResize="0"/>
           <p:nvPr/>
         </p:nvPicPr>
@@ -14502,7 +14937,7 @@
       </p:pic>
       <p:sp>
         <p:nvSpPr>
-          <p:cNvPr id="102" name="Google Shape;102;p2"/>
+          <p:cNvPr id="108" name="Google Shape;108;p2"/>
           <p:cNvSpPr txBox="1"/>
           <p:nvPr/>
         </p:nvSpPr>
@@ -14560,7 +14995,7 @@
       </p:sp>
       <p:sp>
         <p:nvSpPr>
-          <p:cNvPr id="103" name="Google Shape;103;p2"/>
+          <p:cNvPr id="109" name="Google Shape;109;p2"/>
           <p:cNvSpPr/>
           <p:nvPr/>
         </p:nvSpPr>
@@ -14615,7 +15050,7 @@
       </p:sp>
       <p:sp>
         <p:nvSpPr>
-          <p:cNvPr id="104" name="Google Shape;104;p2"/>
+          <p:cNvPr id="110" name="Google Shape;110;p2"/>
           <p:cNvSpPr txBox="1"/>
           <p:nvPr/>
         </p:nvSpPr>
@@ -14673,7 +15108,7 @@
       </p:sp>
       <p:sp>
         <p:nvSpPr>
-          <p:cNvPr id="105" name="Google Shape;105;p2"/>
+          <p:cNvPr id="111" name="Google Shape;111;p2"/>
           <p:cNvSpPr/>
           <p:nvPr/>
         </p:nvSpPr>
@@ -14728,7 +15163,7 @@
       </p:sp>
       <p:sp>
         <p:nvSpPr>
-          <p:cNvPr id="106" name="Google Shape;106;p2"/>
+          <p:cNvPr id="112" name="Google Shape;112;p2"/>
           <p:cNvSpPr/>
           <p:nvPr/>
         </p:nvSpPr>
@@ -14810,7 +15245,7 @@
       </p:sp>
       <p:sp>
         <p:nvSpPr>
-          <p:cNvPr id="107" name="Google Shape;107;p2"/>
+          <p:cNvPr id="113" name="Google Shape;113;p2"/>
           <p:cNvSpPr txBox="1"/>
           <p:nvPr/>
         </p:nvSpPr>
@@ -14947,7 +15382,7 @@
       </p:sp>
       <p:sp>
         <p:nvSpPr>
-          <p:cNvPr id="108" name="Google Shape;108;p2"/>
+          <p:cNvPr id="114" name="Google Shape;114;p2"/>
           <p:cNvSpPr txBox="1"/>
           <p:nvPr/>
         </p:nvSpPr>
@@ -14997,7 +15432,7 @@
       </p:sp>
       <p:pic>
         <p:nvPicPr>
-          <p:cNvPr descr="Group Of People Connected In Social Network, Over White Stock Photo,  Picture And Royalty Free Image. Image 32528773." id="109" name="Google Shape;109;p2"/>
+          <p:cNvPr descr="Group Of People Connected In Social Network, Over White Stock Photo,  Picture And Royalty Free Image. Image 32528773." id="115" name="Google Shape;115;p2"/>
           <p:cNvPicPr preferRelativeResize="0"/>
           <p:nvPr/>
         </p:nvPicPr>
@@ -15030,12 +15465,12 @@
 </p:sld>
 </file>
 
-<file path=ppt/slides/slide3.xml><?xml version="1.0" encoding="utf-8"?>
+<file path=ppt/slides/slide4.xml><?xml version="1.0" encoding="utf-8"?>
 <p:sld xmlns:a="http://schemas.openxmlformats.org/drawingml/2006/main" xmlns:r="http://schemas.openxmlformats.org/officeDocument/2006/relationships" xmlns:mc="http://schemas.openxmlformats.org/markup-compatibility/2006" xmlns:mv="urn:schemas-microsoft-com:mac:vml" xmlns:p="http://schemas.openxmlformats.org/presentationml/2006/main" xmlns:c="http://schemas.openxmlformats.org/drawingml/2006/chart" xmlns:dgm="http://schemas.openxmlformats.org/drawingml/2006/diagram" xmlns:o="urn:schemas-microsoft-com:office:office" xmlns:v="urn:schemas-microsoft-com:vml" xmlns:pvml="urn:schemas-microsoft-com:office:powerpoint" xmlns:com="http://schemas.openxmlformats.org/drawingml/2006/compatibility" xmlns:p14="http://schemas.microsoft.com/office/powerpoint/2010/main" xmlns:p15="http://schemas.microsoft.com/office/powerpoint/2012/main" xmlns:ahyp="http://schemas.microsoft.com/office/drawing/2018/hyperlinkcolor">
   <p:cSld>
     <p:spTree>
       <p:nvGrpSpPr>
-        <p:cNvPr id="113" name="Shape 113"/>
+        <p:cNvPr id="119" name="Shape 119"/>
         <p:cNvGrpSpPr/>
         <p:nvPr/>
       </p:nvGrpSpPr>
@@ -15049,7 +15484,7 @@
       </p:grpSpPr>
       <p:sp>
         <p:nvSpPr>
-          <p:cNvPr id="114" name="Google Shape;114;p3"/>
+          <p:cNvPr id="120" name="Google Shape;120;p3"/>
           <p:cNvSpPr txBox="1"/>
           <p:nvPr/>
         </p:nvSpPr>
@@ -15253,7 +15688,7 @@
       </p:sp>
       <p:pic>
         <p:nvPicPr>
-          <p:cNvPr descr="How artificial intelligence is changing development | SurveyCTO" id="115" name="Google Shape;115;p3"/>
+          <p:cNvPr descr="How artificial intelligence is changing development | SurveyCTO" id="121" name="Google Shape;121;p3"/>
           <p:cNvPicPr preferRelativeResize="0"/>
           <p:nvPr/>
         </p:nvPicPr>
@@ -15280,7 +15715,7 @@
       </p:pic>
       <p:pic>
         <p:nvPicPr>
-          <p:cNvPr descr="Dawn of the Chatbots: What Do Consumers Want and Expect? - TechnologyAdvice" id="116" name="Google Shape;116;p3"/>
+          <p:cNvPr descr="Dawn of the Chatbots: What Do Consumers Want and Expect? - TechnologyAdvice" id="122" name="Google Shape;122;p3"/>
           <p:cNvPicPr preferRelativeResize="0"/>
           <p:nvPr/>
         </p:nvPicPr>
@@ -15307,7 +15742,7 @@
       </p:pic>
       <p:sp>
         <p:nvSpPr>
-          <p:cNvPr id="117" name="Google Shape;117;p3"/>
+          <p:cNvPr id="123" name="Google Shape;123;p3"/>
           <p:cNvSpPr txBox="1"/>
           <p:nvPr/>
         </p:nvSpPr>
@@ -15449,12 +15884,12 @@
 </p:sld>
 </file>
 
-<file path=ppt/slides/slide4.xml><?xml version="1.0" encoding="utf-8"?>
+<file path=ppt/slides/slide5.xml><?xml version="1.0" encoding="utf-8"?>
 <p:sld xmlns:a="http://schemas.openxmlformats.org/drawingml/2006/main" xmlns:r="http://schemas.openxmlformats.org/officeDocument/2006/relationships" xmlns:mc="http://schemas.openxmlformats.org/markup-compatibility/2006" xmlns:mv="urn:schemas-microsoft-com:mac:vml" xmlns:p="http://schemas.openxmlformats.org/presentationml/2006/main" xmlns:c="http://schemas.openxmlformats.org/drawingml/2006/chart" xmlns:dgm="http://schemas.openxmlformats.org/drawingml/2006/diagram" xmlns:o="urn:schemas-microsoft-com:office:office" xmlns:v="urn:schemas-microsoft-com:vml" xmlns:pvml="urn:schemas-microsoft-com:office:powerpoint" xmlns:com="http://schemas.openxmlformats.org/drawingml/2006/compatibility" xmlns:p14="http://schemas.microsoft.com/office/powerpoint/2010/main" xmlns:p15="http://schemas.microsoft.com/office/powerpoint/2012/main" xmlns:ahyp="http://schemas.microsoft.com/office/drawing/2018/hyperlinkcolor">
   <p:cSld>
     <p:spTree>
       <p:nvGrpSpPr>
-        <p:cNvPr id="121" name="Shape 121"/>
+        <p:cNvPr id="127" name="Shape 127"/>
         <p:cNvGrpSpPr/>
         <p:nvPr/>
       </p:nvGrpSpPr>
@@ -15468,7 +15903,7 @@
       </p:grpSpPr>
       <p:sp>
         <p:nvSpPr>
-          <p:cNvPr id="122" name="Google Shape;122;p4"/>
+          <p:cNvPr id="128" name="Google Shape;128;p4"/>
           <p:cNvSpPr txBox="1"/>
           <p:nvPr/>
         </p:nvSpPr>
@@ -15518,7 +15953,7 @@
       </p:sp>
       <p:sp>
         <p:nvSpPr>
-          <p:cNvPr id="123" name="Google Shape;123;p4"/>
+          <p:cNvPr id="129" name="Google Shape;129;p4"/>
           <p:cNvSpPr txBox="1"/>
           <p:nvPr/>
         </p:nvSpPr>
@@ -15568,7 +16003,7 @@
       </p:sp>
       <p:sp>
         <p:nvSpPr>
-          <p:cNvPr id="124" name="Google Shape;124;p4"/>
+          <p:cNvPr id="130" name="Google Shape;130;p4"/>
           <p:cNvSpPr txBox="1"/>
           <p:nvPr/>
         </p:nvSpPr>
@@ -15618,7 +16053,7 @@
       </p:sp>
       <p:sp>
         <p:nvSpPr>
-          <p:cNvPr id="125" name="Google Shape;125;p4"/>
+          <p:cNvPr id="131" name="Google Shape;131;p4"/>
           <p:cNvSpPr txBox="1"/>
           <p:nvPr/>
         </p:nvSpPr>
@@ -15710,7 +16145,7 @@
       </p:sp>
       <p:pic>
         <p:nvPicPr>
-          <p:cNvPr descr="Chatbots Explained: A Super Simple Guide For Amateurs" id="126" name="Google Shape;126;p4"/>
+          <p:cNvPr descr="Chatbots Explained: A Super Simple Guide For Amateurs" id="132" name="Google Shape;132;p4"/>
           <p:cNvPicPr preferRelativeResize="0"/>
           <p:nvPr/>
         </p:nvPicPr>
@@ -15737,7 +16172,7 @@
       </p:pic>
       <p:cxnSp>
         <p:nvCxnSpPr>
-          <p:cNvPr id="127" name="Google Shape;127;p4"/>
+          <p:cNvPr id="133" name="Google Shape;133;p4"/>
           <p:cNvCxnSpPr/>
           <p:nvPr/>
         </p:nvCxnSpPr>
@@ -15763,7 +16198,7 @@
       </p:cxnSp>
       <p:sp>
         <p:nvSpPr>
-          <p:cNvPr id="128" name="Google Shape;128;p4"/>
+          <p:cNvPr id="134" name="Google Shape;134;p4"/>
           <p:cNvSpPr txBox="1"/>
           <p:nvPr/>
         </p:nvSpPr>
@@ -15870,7 +16305,7 @@
       </p:sp>
       <p:pic>
         <p:nvPicPr>
-          <p:cNvPr descr="Machine Learning Chatbot: Neural Conversation Agent" id="129" name="Google Shape;129;p4"/>
+          <p:cNvPr descr="Machine Learning Chatbot: Neural Conversation Agent" id="135" name="Google Shape;135;p4"/>
           <p:cNvPicPr preferRelativeResize="0"/>
           <p:nvPr/>
         </p:nvPicPr>
@@ -15903,12 +16338,12 @@
 </p:sld>
 </file>
 
-<file path=ppt/slides/slide5.xml><?xml version="1.0" encoding="utf-8"?>
+<file path=ppt/slides/slide6.xml><?xml version="1.0" encoding="utf-8"?>
 <p:sld xmlns:a="http://schemas.openxmlformats.org/drawingml/2006/main" xmlns:r="http://schemas.openxmlformats.org/officeDocument/2006/relationships" xmlns:mc="http://schemas.openxmlformats.org/markup-compatibility/2006" xmlns:mv="urn:schemas-microsoft-com:mac:vml" xmlns:p="http://schemas.openxmlformats.org/presentationml/2006/main" xmlns:c="http://schemas.openxmlformats.org/drawingml/2006/chart" xmlns:dgm="http://schemas.openxmlformats.org/drawingml/2006/diagram" xmlns:o="urn:schemas-microsoft-com:office:office" xmlns:v="urn:schemas-microsoft-com:vml" xmlns:pvml="urn:schemas-microsoft-com:office:powerpoint" xmlns:com="http://schemas.openxmlformats.org/drawingml/2006/compatibility" xmlns:p14="http://schemas.microsoft.com/office/powerpoint/2010/main" xmlns:p15="http://schemas.microsoft.com/office/powerpoint/2012/main" xmlns:ahyp="http://schemas.microsoft.com/office/drawing/2018/hyperlinkcolor">
   <p:cSld>
     <p:spTree>
       <p:nvGrpSpPr>
-        <p:cNvPr id="133" name="Shape 133"/>
+        <p:cNvPr id="139" name="Shape 139"/>
         <p:cNvGrpSpPr/>
         <p:nvPr/>
       </p:nvGrpSpPr>
@@ -15922,7 +16357,7 @@
       </p:grpSpPr>
       <p:sp>
         <p:nvSpPr>
-          <p:cNvPr id="134" name="Google Shape;134;p5"/>
+          <p:cNvPr id="140" name="Google Shape;140;p5"/>
           <p:cNvSpPr txBox="1"/>
           <p:nvPr/>
         </p:nvSpPr>
@@ -15972,7 +16407,7 @@
       </p:sp>
       <p:sp>
         <p:nvSpPr>
-          <p:cNvPr id="135" name="Google Shape;135;p5"/>
+          <p:cNvPr id="141" name="Google Shape;141;p5"/>
           <p:cNvSpPr txBox="1"/>
           <p:nvPr/>
         </p:nvSpPr>
@@ -16210,7 +16645,7 @@
       </p:sp>
       <p:pic>
         <p:nvPicPr>
-          <p:cNvPr descr="Premium Vector | Concept chatbot error. modern flat style vector  illustration" id="136" name="Google Shape;136;p5"/>
+          <p:cNvPr descr="Premium Vector | Concept chatbot error. modern flat style vector  illustration" id="142" name="Google Shape;142;p5"/>
           <p:cNvPicPr preferRelativeResize="0"/>
           <p:nvPr/>
         </p:nvPicPr>
@@ -16243,12 +16678,12 @@
 </p:sld>
 </file>
 
-<file path=ppt/slides/slide6.xml><?xml version="1.0" encoding="utf-8"?>
+<file path=ppt/slides/slide7.xml><?xml version="1.0" encoding="utf-8"?>
 <p:sld xmlns:a="http://schemas.openxmlformats.org/drawingml/2006/main" xmlns:r="http://schemas.openxmlformats.org/officeDocument/2006/relationships" xmlns:mc="http://schemas.openxmlformats.org/markup-compatibility/2006" xmlns:mv="urn:schemas-microsoft-com:mac:vml" xmlns:p="http://schemas.openxmlformats.org/presentationml/2006/main" xmlns:c="http://schemas.openxmlformats.org/drawingml/2006/chart" xmlns:dgm="http://schemas.openxmlformats.org/drawingml/2006/diagram" xmlns:o="urn:schemas-microsoft-com:office:office" xmlns:v="urn:schemas-microsoft-com:vml" xmlns:pvml="urn:schemas-microsoft-com:office:powerpoint" xmlns:com="http://schemas.openxmlformats.org/drawingml/2006/compatibility" xmlns:p14="http://schemas.microsoft.com/office/powerpoint/2010/main" xmlns:p15="http://schemas.microsoft.com/office/powerpoint/2012/main" xmlns:ahyp="http://schemas.microsoft.com/office/drawing/2018/hyperlinkcolor">
   <p:cSld>
     <p:spTree>
       <p:nvGrpSpPr>
-        <p:cNvPr id="140" name="Shape 140"/>
+        <p:cNvPr id="146" name="Shape 146"/>
         <p:cNvGrpSpPr/>
         <p:nvPr/>
       </p:nvGrpSpPr>
@@ -16262,7 +16697,7 @@
       </p:grpSpPr>
       <p:sp>
         <p:nvSpPr>
-          <p:cNvPr id="141" name="Google Shape;141;gb421570802_0_0"/>
+          <p:cNvPr id="147" name="Google Shape;147;gb421570802_0_0"/>
           <p:cNvSpPr txBox="1"/>
           <p:nvPr>
             <p:ph type="title"/>
@@ -16302,7 +16737,7 @@
       </p:sp>
       <p:pic>
         <p:nvPicPr>
-          <p:cNvPr id="142" name="Google Shape;142;gb421570802_0_0"/>
+          <p:cNvPr id="148" name="Google Shape;148;gb421570802_0_0"/>
           <p:cNvPicPr preferRelativeResize="0"/>
           <p:nvPr/>
         </p:nvPicPr>
@@ -16330,7 +16765,7 @@
       </p:pic>
       <p:pic>
         <p:nvPicPr>
-          <p:cNvPr id="143" name="Google Shape;143;gb421570802_0_0"/>
+          <p:cNvPr id="149" name="Google Shape;149;gb421570802_0_0"/>
           <p:cNvPicPr preferRelativeResize="0"/>
           <p:nvPr/>
         </p:nvPicPr>
@@ -16364,12 +16799,12 @@
 </p:sld>
 </file>
 
-<file path=ppt/slides/slide7.xml><?xml version="1.0" encoding="utf-8"?>
+<file path=ppt/slides/slide8.xml><?xml version="1.0" encoding="utf-8"?>
 <p:sld xmlns:a="http://schemas.openxmlformats.org/drawingml/2006/main" xmlns:r="http://schemas.openxmlformats.org/officeDocument/2006/relationships" xmlns:mc="http://schemas.openxmlformats.org/markup-compatibility/2006" xmlns:mv="urn:schemas-microsoft-com:mac:vml" xmlns:p="http://schemas.openxmlformats.org/presentationml/2006/main" xmlns:c="http://schemas.openxmlformats.org/drawingml/2006/chart" xmlns:dgm="http://schemas.openxmlformats.org/drawingml/2006/diagram" xmlns:o="urn:schemas-microsoft-com:office:office" xmlns:v="urn:schemas-microsoft-com:vml" xmlns:pvml="urn:schemas-microsoft-com:office:powerpoint" xmlns:com="http://schemas.openxmlformats.org/drawingml/2006/compatibility" xmlns:p14="http://schemas.microsoft.com/office/powerpoint/2010/main" xmlns:p15="http://schemas.microsoft.com/office/powerpoint/2012/main" xmlns:ahyp="http://schemas.microsoft.com/office/drawing/2018/hyperlinkcolor">
   <p:cSld>
     <p:spTree>
       <p:nvGrpSpPr>
-        <p:cNvPr id="147" name="Shape 147"/>
+        <p:cNvPr id="153" name="Shape 153"/>
         <p:cNvGrpSpPr/>
         <p:nvPr/>
       </p:nvGrpSpPr>
@@ -16383,7 +16818,7 @@
       </p:grpSpPr>
       <p:pic>
         <p:nvPicPr>
-          <p:cNvPr id="148" name="Google Shape;148;gb421570802_3_3"/>
+          <p:cNvPr id="154" name="Google Shape;154;gb421570802_3_3"/>
           <p:cNvPicPr preferRelativeResize="0"/>
           <p:nvPr/>
         </p:nvPicPr>
@@ -16411,7 +16846,7 @@
       </p:pic>
       <p:pic>
         <p:nvPicPr>
-          <p:cNvPr id="149" name="Google Shape;149;gb421570802_3_3"/>
+          <p:cNvPr id="155" name="Google Shape;155;gb421570802_3_3"/>
           <p:cNvPicPr preferRelativeResize="0"/>
           <p:nvPr/>
         </p:nvPicPr>
@@ -16439,7 +16874,7 @@
       </p:pic>
       <p:sp>
         <p:nvSpPr>
-          <p:cNvPr id="150" name="Google Shape;150;gb421570802_3_3"/>
+          <p:cNvPr id="156" name="Google Shape;156;gb421570802_3_3"/>
           <p:cNvSpPr txBox="1"/>
           <p:nvPr/>
         </p:nvSpPr>
@@ -16491,7 +16926,7 @@
       </p:sp>
       <p:sp>
         <p:nvSpPr>
-          <p:cNvPr id="151" name="Google Shape;151;gb421570802_3_3"/>
+          <p:cNvPr id="157" name="Google Shape;157;gb421570802_3_3"/>
           <p:cNvSpPr txBox="1"/>
           <p:nvPr/>
         </p:nvSpPr>
@@ -16538,316 +16973,6 @@
               <a:cs typeface="Calibri"/>
               <a:sym typeface="Calibri"/>
             </a:endParaRPr>
-          </a:p>
-        </p:txBody>
-      </p:sp>
-    </p:spTree>
-  </p:cSld>
-  <p:clrMapOvr>
-    <a:masterClrMapping/>
-  </p:clrMapOvr>
-</p:sld>
-</file>
-
-<file path=ppt/slides/slide8.xml><?xml version="1.0" encoding="utf-8"?>
-<p:sld xmlns:a="http://schemas.openxmlformats.org/drawingml/2006/main" xmlns:r="http://schemas.openxmlformats.org/officeDocument/2006/relationships" xmlns:mc="http://schemas.openxmlformats.org/markup-compatibility/2006" xmlns:mv="urn:schemas-microsoft-com:mac:vml" xmlns:p="http://schemas.openxmlformats.org/presentationml/2006/main" xmlns:c="http://schemas.openxmlformats.org/drawingml/2006/chart" xmlns:dgm="http://schemas.openxmlformats.org/drawingml/2006/diagram" xmlns:o="urn:schemas-microsoft-com:office:office" xmlns:v="urn:schemas-microsoft-com:vml" xmlns:pvml="urn:schemas-microsoft-com:office:powerpoint" xmlns:com="http://schemas.openxmlformats.org/drawingml/2006/compatibility" xmlns:p14="http://schemas.microsoft.com/office/powerpoint/2010/main" xmlns:p15="http://schemas.microsoft.com/office/powerpoint/2012/main" xmlns:ahyp="http://schemas.microsoft.com/office/drawing/2018/hyperlinkcolor">
-  <p:cSld>
-    <p:spTree>
-      <p:nvGrpSpPr>
-        <p:cNvPr id="155" name="Shape 155"/>
-        <p:cNvGrpSpPr/>
-        <p:nvPr/>
-      </p:nvGrpSpPr>
-      <p:grpSpPr>
-        <a:xfrm>
-          <a:off x="0" y="0"/>
-          <a:ext cx="0" cy="0"/>
-          <a:chOff x="0" y="0"/>
-          <a:chExt cx="0" cy="0"/>
-        </a:xfrm>
-      </p:grpSpPr>
-      <p:sp>
-        <p:nvSpPr>
-          <p:cNvPr id="156" name="Google Shape;156;gb421570802_3_25"/>
-          <p:cNvSpPr txBox="1"/>
-          <p:nvPr>
-            <p:ph type="title"/>
-          </p:nvPr>
-        </p:nvSpPr>
-        <p:spPr>
-          <a:xfrm>
-            <a:off x="838200" y="365125"/>
-            <a:ext cx="10515600" cy="1325700"/>
-          </a:xfrm>
-          <a:prstGeom prst="rect">
-            <a:avLst/>
-          </a:prstGeom>
-        </p:spPr>
-        <p:txBody>
-          <a:bodyPr anchorCtr="0" anchor="ctr" bIns="45700" lIns="91425" spcFirstLastPara="1" rIns="91425" wrap="square" tIns="45700">
-            <a:noAutofit/>
-          </a:bodyPr>
-          <a:lstStyle/>
-          <a:p>
-            <a:pPr indent="0" lvl="0" marL="0" rtl="0" algn="l">
-              <a:spcBef>
-                <a:spcPts val="0"/>
-              </a:spcBef>
-              <a:spcAft>
-                <a:spcPts val="0"/>
-              </a:spcAft>
-              <a:buNone/>
-            </a:pPr>
-            <a:r>
-              <a:rPr lang="en-GB"/>
-              <a:t>System requirements</a:t>
-            </a:r>
-            <a:endParaRPr/>
-          </a:p>
-        </p:txBody>
-      </p:sp>
-      <p:sp>
-        <p:nvSpPr>
-          <p:cNvPr id="157" name="Google Shape;157;gb421570802_3_25"/>
-          <p:cNvSpPr txBox="1"/>
-          <p:nvPr>
-            <p:ph idx="1" type="body"/>
-          </p:nvPr>
-        </p:nvSpPr>
-        <p:spPr>
-          <a:xfrm>
-            <a:off x="838200" y="1825625"/>
-            <a:ext cx="10515600" cy="4351200"/>
-          </a:xfrm>
-          <a:prstGeom prst="rect">
-            <a:avLst/>
-          </a:prstGeom>
-        </p:spPr>
-        <p:txBody>
-          <a:bodyPr anchorCtr="0" anchor="t" bIns="45700" lIns="91425" spcFirstLastPara="1" rIns="91425" wrap="square" tIns="45700">
-            <a:noAutofit/>
-          </a:bodyPr>
-          <a:lstStyle/>
-          <a:p>
-            <a:pPr indent="-336550" lvl="0" marL="457200" rtl="0" algn="l">
-              <a:spcBef>
-                <a:spcPts val="1000"/>
-              </a:spcBef>
-              <a:spcAft>
-                <a:spcPts val="0"/>
-              </a:spcAft>
-              <a:buSzPts val="1700"/>
-              <a:buChar char="-"/>
-            </a:pPr>
-            <a:r>
-              <a:rPr b="1" lang="en-GB" sz="1700"/>
-              <a:t>Latency</a:t>
-            </a:r>
-            <a:r>
-              <a:rPr lang="en-GB" sz="1700"/>
-              <a:t>: low because of own infrastracture</a:t>
-            </a:r>
-            <a:endParaRPr sz="1700"/>
-          </a:p>
-          <a:p>
-            <a:pPr indent="-336550" lvl="0" marL="457200" rtl="0" algn="l">
-              <a:spcBef>
-                <a:spcPts val="0"/>
-              </a:spcBef>
-              <a:spcAft>
-                <a:spcPts val="0"/>
-              </a:spcAft>
-              <a:buSzPts val="1700"/>
-              <a:buChar char="-"/>
-            </a:pPr>
-            <a:r>
-              <a:rPr b="1" lang="en-GB" sz="1700"/>
-              <a:t>Capacity: </a:t>
-            </a:r>
-            <a:r>
-              <a:rPr lang="en-GB" sz="1700"/>
-              <a:t>very scalable storage</a:t>
-            </a:r>
-            <a:endParaRPr sz="1700"/>
-          </a:p>
-          <a:p>
-            <a:pPr indent="-336550" lvl="0" marL="457200" rtl="0" algn="l">
-              <a:spcBef>
-                <a:spcPts val="0"/>
-              </a:spcBef>
-              <a:spcAft>
-                <a:spcPts val="0"/>
-              </a:spcAft>
-              <a:buSzPts val="1700"/>
-              <a:buChar char="-"/>
-            </a:pPr>
-            <a:r>
-              <a:rPr b="1" lang="en-GB" sz="1700"/>
-              <a:t>Security</a:t>
-            </a:r>
-            <a:r>
-              <a:rPr lang="en-GB" sz="1700"/>
-              <a:t>: JSON Web Token used in the https requests, permission roles assigned</a:t>
-            </a:r>
-            <a:endParaRPr sz="1700"/>
-          </a:p>
-          <a:p>
-            <a:pPr indent="-336550" lvl="0" marL="457200" rtl="0" algn="l">
-              <a:spcBef>
-                <a:spcPts val="0"/>
-              </a:spcBef>
-              <a:spcAft>
-                <a:spcPts val="0"/>
-              </a:spcAft>
-              <a:buSzPts val="1700"/>
-              <a:buChar char="-"/>
-            </a:pPr>
-            <a:r>
-              <a:rPr b="1" lang="en-GB" sz="1700"/>
-              <a:t>Integrability</a:t>
-            </a:r>
-            <a:r>
-              <a:rPr lang="en-GB" sz="1700"/>
-              <a:t>: Since both the database delegate and the Chatbot use REST API, they can be used both in-house but can also be integrated with other software</a:t>
-            </a:r>
-            <a:endParaRPr sz="1700"/>
-          </a:p>
-          <a:p>
-            <a:pPr indent="-336550" lvl="0" marL="457200" rtl="0" algn="l">
-              <a:spcBef>
-                <a:spcPts val="0"/>
-              </a:spcBef>
-              <a:spcAft>
-                <a:spcPts val="0"/>
-              </a:spcAft>
-              <a:buSzPts val="1700"/>
-              <a:buChar char="-"/>
-            </a:pPr>
-            <a:r>
-              <a:rPr b="1" lang="en-GB" sz="1700"/>
-              <a:t>Deployment</a:t>
-            </a:r>
-            <a:r>
-              <a:rPr lang="en-GB" sz="1700"/>
-              <a:t>: own infrastructure, scalable both horizontally and vertically</a:t>
-            </a:r>
-            <a:endParaRPr sz="1700"/>
-          </a:p>
-          <a:p>
-            <a:pPr indent="-336550" lvl="0" marL="457200" rtl="0" algn="l">
-              <a:spcBef>
-                <a:spcPts val="0"/>
-              </a:spcBef>
-              <a:spcAft>
-                <a:spcPts val="0"/>
-              </a:spcAft>
-              <a:buSzPts val="1700"/>
-              <a:buChar char="-"/>
-            </a:pPr>
-            <a:r>
-              <a:rPr b="1" lang="en-GB" sz="1700"/>
-              <a:t>Robustness</a:t>
-            </a:r>
-            <a:r>
-              <a:rPr lang="en-GB" sz="1700"/>
-              <a:t>: servers self restarts after power failure</a:t>
-            </a:r>
-            <a:endParaRPr sz="1700"/>
-          </a:p>
-          <a:p>
-            <a:pPr indent="-336550" lvl="0" marL="457200" rtl="0" algn="l">
-              <a:spcBef>
-                <a:spcPts val="0"/>
-              </a:spcBef>
-              <a:spcAft>
-                <a:spcPts val="0"/>
-              </a:spcAft>
-              <a:buSzPts val="1700"/>
-              <a:buChar char="-"/>
-            </a:pPr>
-            <a:r>
-              <a:rPr b="1" lang="en-GB" sz="1700"/>
-              <a:t>Backup</a:t>
-            </a:r>
-            <a:r>
-              <a:rPr lang="en-GB" sz="1700"/>
-              <a:t>: NetCloud with own servers</a:t>
-            </a:r>
-            <a:endParaRPr sz="1700"/>
-          </a:p>
-          <a:p>
-            <a:pPr indent="-336550" lvl="0" marL="457200" rtl="0" algn="l">
-              <a:spcBef>
-                <a:spcPts val="0"/>
-              </a:spcBef>
-              <a:spcAft>
-                <a:spcPts val="0"/>
-              </a:spcAft>
-              <a:buSzPts val="1700"/>
-              <a:buChar char="-"/>
-            </a:pPr>
-            <a:r>
-              <a:rPr b="1" lang="en-GB" sz="1700"/>
-              <a:t>Reusability</a:t>
-            </a:r>
-            <a:r>
-              <a:rPr lang="en-GB" sz="1700"/>
-              <a:t>: very high because of modular components</a:t>
-            </a:r>
-            <a:endParaRPr sz="1700"/>
-          </a:p>
-          <a:p>
-            <a:pPr indent="-336550" lvl="0" marL="457200" rtl="0" algn="l">
-              <a:spcBef>
-                <a:spcPts val="0"/>
-              </a:spcBef>
-              <a:spcAft>
-                <a:spcPts val="0"/>
-              </a:spcAft>
-              <a:buSzPts val="1700"/>
-              <a:buChar char="-"/>
-            </a:pPr>
-            <a:r>
-              <a:rPr b="1" lang="en-GB" sz="1700"/>
-              <a:t>Documentation</a:t>
-            </a:r>
-            <a:endParaRPr sz="1700"/>
-          </a:p>
-          <a:p>
-            <a:pPr indent="-336550" lvl="0" marL="457200" rtl="0" algn="l">
-              <a:spcBef>
-                <a:spcPts val="0"/>
-              </a:spcBef>
-              <a:spcAft>
-                <a:spcPts val="0"/>
-              </a:spcAft>
-              <a:buSzPts val="1700"/>
-              <a:buChar char="-"/>
-            </a:pPr>
-            <a:r>
-              <a:rPr b="1" lang="en-GB" sz="1700"/>
-              <a:t>Useability</a:t>
-            </a:r>
-            <a:r>
-              <a:rPr lang="en-GB" sz="1700"/>
-              <a:t>: the software has some sort of gamification. It has good interactivity and self explanatory</a:t>
-            </a:r>
-            <a:endParaRPr sz="1700"/>
-          </a:p>
-          <a:p>
-            <a:pPr indent="0" lvl="0" marL="457200" rtl="0" algn="l">
-              <a:spcBef>
-                <a:spcPts val="1000"/>
-              </a:spcBef>
-              <a:spcAft>
-                <a:spcPts val="0"/>
-              </a:spcAft>
-              <a:buNone/>
-            </a:pPr>
-            <a:r>
-              <a:t/>
-            </a:r>
-            <a:endParaRPr sz="1700"/>
           </a:p>
         </p:txBody>
       </p:sp>
@@ -16876,62 +17001,280 @@
           <a:chExt cx="0" cy="0"/>
         </a:xfrm>
       </p:grpSpPr>
-      <p:pic>
-        <p:nvPicPr>
-          <p:cNvPr id="162" name="Google Shape;162;gb421570802_3_17"/>
-          <p:cNvPicPr preferRelativeResize="0"/>
-          <p:nvPr/>
-        </p:nvPicPr>
-        <p:blipFill>
-          <a:blip r:embed="rId3">
-            <a:alphaModFix/>
-          </a:blip>
-          <a:stretch>
-            <a:fillRect/>
-          </a:stretch>
-        </p:blipFill>
+      <p:sp>
+        <p:nvSpPr>
+          <p:cNvPr id="162" name="Google Shape;162;gb421570802_3_25"/>
+          <p:cNvSpPr txBox="1"/>
+          <p:nvPr>
+            <p:ph type="title"/>
+          </p:nvPr>
+        </p:nvSpPr>
         <p:spPr>
           <a:xfrm>
-            <a:off x="351775" y="152400"/>
-            <a:ext cx="8672626" cy="6553200"/>
+            <a:off x="838200" y="365125"/>
+            <a:ext cx="10515600" cy="1325700"/>
           </a:xfrm>
           <a:prstGeom prst="rect">
             <a:avLst/>
           </a:prstGeom>
-          <a:noFill/>
-          <a:ln>
-            <a:noFill/>
-          </a:ln>
         </p:spPr>
-      </p:pic>
-      <p:pic>
-        <p:nvPicPr>
-          <p:cNvPr id="163" name="Google Shape;163;gb421570802_3_17"/>
-          <p:cNvPicPr preferRelativeResize="0"/>
-          <p:nvPr/>
-        </p:nvPicPr>
-        <p:blipFill>
-          <a:blip r:embed="rId4">
-            <a:alphaModFix/>
-          </a:blip>
-          <a:stretch>
-            <a:fillRect/>
-          </a:stretch>
-        </p:blipFill>
+        <p:txBody>
+          <a:bodyPr anchorCtr="0" anchor="ctr" bIns="45700" lIns="91425" spcFirstLastPara="1" rIns="91425" wrap="square" tIns="45700">
+            <a:noAutofit/>
+          </a:bodyPr>
+          <a:lstStyle/>
+          <a:p>
+            <a:pPr indent="0" lvl="0" marL="0" rtl="0" algn="l">
+              <a:spcBef>
+                <a:spcPts val="0"/>
+              </a:spcBef>
+              <a:spcAft>
+                <a:spcPts val="0"/>
+              </a:spcAft>
+              <a:buNone/>
+            </a:pPr>
+            <a:r>
+              <a:rPr lang="en-GB"/>
+              <a:t>System requirements</a:t>
+            </a:r>
+            <a:endParaRPr/>
+          </a:p>
+        </p:txBody>
+      </p:sp>
+      <p:sp>
+        <p:nvSpPr>
+          <p:cNvPr id="163" name="Google Shape;163;gb421570802_3_25"/>
+          <p:cNvSpPr txBox="1"/>
+          <p:nvPr>
+            <p:ph idx="1" type="body"/>
+          </p:nvPr>
+        </p:nvSpPr>
         <p:spPr>
           <a:xfrm>
-            <a:off x="6721200" y="257875"/>
-            <a:ext cx="5384325" cy="5848351"/>
+            <a:off x="838199" y="1825626"/>
+            <a:ext cx="10515600" cy="4351200"/>
           </a:xfrm>
           <a:prstGeom prst="rect">
             <a:avLst/>
           </a:prstGeom>
-          <a:noFill/>
-          <a:ln>
-            <a:noFill/>
-          </a:ln>
         </p:spPr>
-      </p:pic>
+        <p:txBody>
+          <a:bodyPr anchorCtr="0" anchor="t" bIns="45700" lIns="91425" spcFirstLastPara="1" rIns="91425" wrap="square" tIns="45700">
+            <a:noAutofit/>
+          </a:bodyPr>
+          <a:lstStyle/>
+          <a:p>
+            <a:pPr indent="-361950" lvl="0" marL="457200" rtl="0" algn="l">
+              <a:spcBef>
+                <a:spcPts val="1000"/>
+              </a:spcBef>
+              <a:spcAft>
+                <a:spcPts val="0"/>
+              </a:spcAft>
+              <a:buSzPts val="2100"/>
+              <a:buChar char="-"/>
+            </a:pPr>
+            <a:r>
+              <a:rPr b="1" lang="en-GB" sz="2100"/>
+              <a:t>Latency</a:t>
+            </a:r>
+            <a:r>
+              <a:rPr lang="en-GB" sz="2100"/>
+              <a:t>: low because of own </a:t>
+            </a:r>
+            <a:r>
+              <a:rPr lang="en-GB" sz="2100"/>
+              <a:t>infrastructure</a:t>
+            </a:r>
+            <a:endParaRPr sz="2100"/>
+          </a:p>
+          <a:p>
+            <a:pPr indent="-361950" lvl="0" marL="457200" rtl="0" algn="l">
+              <a:spcBef>
+                <a:spcPts val="0"/>
+              </a:spcBef>
+              <a:spcAft>
+                <a:spcPts val="0"/>
+              </a:spcAft>
+              <a:buSzPts val="2100"/>
+              <a:buChar char="-"/>
+            </a:pPr>
+            <a:r>
+              <a:rPr b="1" lang="en-GB" sz="2100"/>
+              <a:t>Capacity: </a:t>
+            </a:r>
+            <a:r>
+              <a:rPr lang="en-GB" sz="2100"/>
+              <a:t>very scalable storage</a:t>
+            </a:r>
+            <a:endParaRPr sz="2100"/>
+          </a:p>
+          <a:p>
+            <a:pPr indent="-361950" lvl="0" marL="457200" rtl="0" algn="l">
+              <a:spcBef>
+                <a:spcPts val="0"/>
+              </a:spcBef>
+              <a:spcAft>
+                <a:spcPts val="0"/>
+              </a:spcAft>
+              <a:buSzPts val="2100"/>
+              <a:buChar char="-"/>
+            </a:pPr>
+            <a:r>
+              <a:rPr b="1" lang="en-GB" sz="2100"/>
+              <a:t>Security</a:t>
+            </a:r>
+            <a:r>
+              <a:rPr lang="en-GB" sz="2100"/>
+              <a:t>: JSON Web Token used in the https requests, permission roles assigned</a:t>
+            </a:r>
+            <a:endParaRPr sz="2100"/>
+          </a:p>
+          <a:p>
+            <a:pPr indent="-361950" lvl="0" marL="457200" rtl="0" algn="l">
+              <a:spcBef>
+                <a:spcPts val="0"/>
+              </a:spcBef>
+              <a:spcAft>
+                <a:spcPts val="0"/>
+              </a:spcAft>
+              <a:buSzPts val="2100"/>
+              <a:buChar char="-"/>
+            </a:pPr>
+            <a:r>
+              <a:rPr b="1" lang="en-GB" sz="2100"/>
+              <a:t>Integrability</a:t>
+            </a:r>
+            <a:r>
+              <a:rPr lang="en-GB" sz="2100"/>
+              <a:t>: Since both the database delegate and the Chatbot use REST API, they can be used both in-house but can also be integrated with other software</a:t>
+            </a:r>
+            <a:endParaRPr sz="2100"/>
+          </a:p>
+          <a:p>
+            <a:pPr indent="-361950" lvl="0" marL="457200" rtl="0" algn="l">
+              <a:spcBef>
+                <a:spcPts val="0"/>
+              </a:spcBef>
+              <a:spcAft>
+                <a:spcPts val="0"/>
+              </a:spcAft>
+              <a:buSzPts val="2100"/>
+              <a:buChar char="-"/>
+            </a:pPr>
+            <a:r>
+              <a:rPr b="1" lang="en-GB" sz="2100"/>
+              <a:t>Deployment</a:t>
+            </a:r>
+            <a:r>
+              <a:rPr lang="en-GB" sz="2100"/>
+              <a:t>: own infrastructure, scalable both horizontally and vertically</a:t>
+            </a:r>
+            <a:endParaRPr sz="2100"/>
+          </a:p>
+          <a:p>
+            <a:pPr indent="-361950" lvl="0" marL="457200" rtl="0" algn="l">
+              <a:spcBef>
+                <a:spcPts val="0"/>
+              </a:spcBef>
+              <a:spcAft>
+                <a:spcPts val="0"/>
+              </a:spcAft>
+              <a:buSzPts val="2100"/>
+              <a:buChar char="-"/>
+            </a:pPr>
+            <a:r>
+              <a:rPr b="1" lang="en-GB" sz="2100"/>
+              <a:t>Robustness</a:t>
+            </a:r>
+            <a:r>
+              <a:rPr lang="en-GB" sz="2100"/>
+              <a:t>: servers self restarts after power failure</a:t>
+            </a:r>
+            <a:endParaRPr sz="2100"/>
+          </a:p>
+          <a:p>
+            <a:pPr indent="-361950" lvl="0" marL="457200" rtl="0" algn="l">
+              <a:spcBef>
+                <a:spcPts val="0"/>
+              </a:spcBef>
+              <a:spcAft>
+                <a:spcPts val="0"/>
+              </a:spcAft>
+              <a:buSzPts val="2100"/>
+              <a:buChar char="-"/>
+            </a:pPr>
+            <a:r>
+              <a:rPr b="1" lang="en-GB" sz="2100"/>
+              <a:t>Backup</a:t>
+            </a:r>
+            <a:r>
+              <a:rPr lang="en-GB" sz="2100"/>
+              <a:t>: NetCloud with own servers</a:t>
+            </a:r>
+            <a:endParaRPr sz="2100"/>
+          </a:p>
+          <a:p>
+            <a:pPr indent="-361950" lvl="0" marL="457200" rtl="0" algn="l">
+              <a:spcBef>
+                <a:spcPts val="0"/>
+              </a:spcBef>
+              <a:spcAft>
+                <a:spcPts val="0"/>
+              </a:spcAft>
+              <a:buSzPts val="2100"/>
+              <a:buChar char="-"/>
+            </a:pPr>
+            <a:r>
+              <a:rPr b="1" lang="en-GB" sz="2100"/>
+              <a:t>Reusability</a:t>
+            </a:r>
+            <a:r>
+              <a:rPr lang="en-GB" sz="2100"/>
+              <a:t>: very high because of modular components</a:t>
+            </a:r>
+            <a:endParaRPr sz="2100"/>
+          </a:p>
+          <a:p>
+            <a:pPr indent="-361950" lvl="0" marL="457200" rtl="0" algn="l">
+              <a:spcBef>
+                <a:spcPts val="0"/>
+              </a:spcBef>
+              <a:spcAft>
+                <a:spcPts val="0"/>
+              </a:spcAft>
+              <a:buSzPts val="2100"/>
+              <a:buChar char="-"/>
+            </a:pPr>
+            <a:r>
+              <a:rPr b="1" lang="en-GB" sz="2100"/>
+              <a:t>Documentation</a:t>
+            </a:r>
+            <a:endParaRPr sz="2100"/>
+          </a:p>
+          <a:p>
+            <a:pPr indent="-361950" lvl="0" marL="457200" rtl="0" algn="l">
+              <a:spcBef>
+                <a:spcPts val="0"/>
+              </a:spcBef>
+              <a:spcAft>
+                <a:spcPts val="0"/>
+              </a:spcAft>
+              <a:buSzPts val="2100"/>
+              <a:buChar char="-"/>
+            </a:pPr>
+            <a:r>
+              <a:rPr b="1" lang="en-GB" sz="2100"/>
+              <a:t>Useability</a:t>
+            </a:r>
+            <a:r>
+              <a:rPr lang="en-GB" sz="2100"/>
+              <a:t>: the software has some sort of gamification. It has good interactivity and self explanatory</a:t>
+            </a:r>
+            <a:endParaRPr sz="2100"/>
+          </a:p>
+        </p:txBody>
+      </p:sp>
     </p:spTree>
   </p:cSld>
   <p:clrMapOvr>
